--- a/figures/Growth trajectory model.pptx
+++ b/figures/Growth trajectory model.pptx
@@ -104,6 +104,11 @@
       </a:defRPr>
     </a:lvl9pPr>
   </p:defaultTextStyle>
+  <p:extLst>
+    <p:ext uri="{EFAFB233-063F-42B5-8137-9DF3F51BA10A}">
+      <p15:sldGuideLst xmlns:p15="http://schemas.microsoft.com/office/powerpoint/2012/main"/>
+    </p:ext>
+  </p:extLst>
 </p:presentation>
 </file>
 
@@ -254,7 +259,7 @@
           <a:p>
             <a:fld id="{895910CF-DEB1-4315-9A52-E631F6DFE9E5}" type="datetimeFigureOut">
               <a:rPr lang="en-US" smtClean="0"/>
-              <a:t>6/8/2020</a:t>
+              <a:t>6/16/2020</a:t>
             </a:fld>
             <a:endParaRPr lang="en-US"/>
           </a:p>
@@ -452,7 +457,7 @@
           <a:p>
             <a:fld id="{895910CF-DEB1-4315-9A52-E631F6DFE9E5}" type="datetimeFigureOut">
               <a:rPr lang="en-US" smtClean="0"/>
-              <a:t>6/8/2020</a:t>
+              <a:t>6/16/2020</a:t>
             </a:fld>
             <a:endParaRPr lang="en-US"/>
           </a:p>
@@ -660,7 +665,7 @@
           <a:p>
             <a:fld id="{895910CF-DEB1-4315-9A52-E631F6DFE9E5}" type="datetimeFigureOut">
               <a:rPr lang="en-US" smtClean="0"/>
-              <a:t>6/8/2020</a:t>
+              <a:t>6/16/2020</a:t>
             </a:fld>
             <a:endParaRPr lang="en-US"/>
           </a:p>
@@ -858,7 +863,7 @@
           <a:p>
             <a:fld id="{895910CF-DEB1-4315-9A52-E631F6DFE9E5}" type="datetimeFigureOut">
               <a:rPr lang="en-US" smtClean="0"/>
-              <a:t>6/8/2020</a:t>
+              <a:t>6/16/2020</a:t>
             </a:fld>
             <a:endParaRPr lang="en-US"/>
           </a:p>
@@ -1133,7 +1138,7 @@
           <a:p>
             <a:fld id="{895910CF-DEB1-4315-9A52-E631F6DFE9E5}" type="datetimeFigureOut">
               <a:rPr lang="en-US" smtClean="0"/>
-              <a:t>6/8/2020</a:t>
+              <a:t>6/16/2020</a:t>
             </a:fld>
             <a:endParaRPr lang="en-US"/>
           </a:p>
@@ -1398,7 +1403,7 @@
           <a:p>
             <a:fld id="{895910CF-DEB1-4315-9A52-E631F6DFE9E5}" type="datetimeFigureOut">
               <a:rPr lang="en-US" smtClean="0"/>
-              <a:t>6/8/2020</a:t>
+              <a:t>6/16/2020</a:t>
             </a:fld>
             <a:endParaRPr lang="en-US"/>
           </a:p>
@@ -1810,7 +1815,7 @@
           <a:p>
             <a:fld id="{895910CF-DEB1-4315-9A52-E631F6DFE9E5}" type="datetimeFigureOut">
               <a:rPr lang="en-US" smtClean="0"/>
-              <a:t>6/8/2020</a:t>
+              <a:t>6/16/2020</a:t>
             </a:fld>
             <a:endParaRPr lang="en-US"/>
           </a:p>
@@ -1951,7 +1956,7 @@
           <a:p>
             <a:fld id="{895910CF-DEB1-4315-9A52-E631F6DFE9E5}" type="datetimeFigureOut">
               <a:rPr lang="en-US" smtClean="0"/>
-              <a:t>6/8/2020</a:t>
+              <a:t>6/16/2020</a:t>
             </a:fld>
             <a:endParaRPr lang="en-US"/>
           </a:p>
@@ -2064,7 +2069,7 @@
           <a:p>
             <a:fld id="{895910CF-DEB1-4315-9A52-E631F6DFE9E5}" type="datetimeFigureOut">
               <a:rPr lang="en-US" smtClean="0"/>
-              <a:t>6/8/2020</a:t>
+              <a:t>6/16/2020</a:t>
             </a:fld>
             <a:endParaRPr lang="en-US"/>
           </a:p>
@@ -2375,7 +2380,7 @@
           <a:p>
             <a:fld id="{895910CF-DEB1-4315-9A52-E631F6DFE9E5}" type="datetimeFigureOut">
               <a:rPr lang="en-US" smtClean="0"/>
-              <a:t>6/8/2020</a:t>
+              <a:t>6/16/2020</a:t>
             </a:fld>
             <a:endParaRPr lang="en-US"/>
           </a:p>
@@ -2663,7 +2668,7 @@
           <a:p>
             <a:fld id="{895910CF-DEB1-4315-9A52-E631F6DFE9E5}" type="datetimeFigureOut">
               <a:rPr lang="en-US" smtClean="0"/>
-              <a:t>6/8/2020</a:t>
+              <a:t>6/16/2020</a:t>
             </a:fld>
             <a:endParaRPr lang="en-US"/>
           </a:p>
@@ -2904,7 +2909,7 @@
           <a:p>
             <a:fld id="{895910CF-DEB1-4315-9A52-E631F6DFE9E5}" type="datetimeFigureOut">
               <a:rPr lang="en-US" smtClean="0"/>
-              <a:t>6/8/2020</a:t>
+              <a:t>6/16/2020</a:t>
             </a:fld>
             <a:endParaRPr lang="en-US"/>
           </a:p>
@@ -3335,7 +3340,7 @@
         </p:nvSpPr>
         <p:spPr>
           <a:xfrm>
-            <a:off x="2095500" y="1825813"/>
+            <a:off x="4169399" y="1854094"/>
             <a:ext cx="1181100" cy="1114425"/>
           </a:xfrm>
           <a:prstGeom prst="ellipse">
@@ -3384,7 +3389,7 @@
         </p:nvSpPr>
         <p:spPr>
           <a:xfrm>
-            <a:off x="3780609" y="1825813"/>
+            <a:off x="5854508" y="1854094"/>
             <a:ext cx="1181100" cy="1114425"/>
           </a:xfrm>
           <a:prstGeom prst="ellipse">
@@ -3421,10 +3426,10 @@
       </p:sp>
       <p:sp>
         <p:nvSpPr>
-          <p:cNvPr id="6" name="Oval 5">
-            <a:extLst>
-              <a:ext uri="{FF2B5EF4-FFF2-40B4-BE49-F238E27FC236}">
-                <a16:creationId xmlns:a16="http://schemas.microsoft.com/office/drawing/2014/main" id="{8106C82E-6261-49FE-97D1-218A11FBE346}"/>
+          <p:cNvPr id="9" name="Oval 8">
+            <a:extLst>
+              <a:ext uri="{FF2B5EF4-FFF2-40B4-BE49-F238E27FC236}">
+                <a16:creationId xmlns:a16="http://schemas.microsoft.com/office/drawing/2014/main" id="{1F9FFF61-27FE-40AC-AAE4-1DD7E2A328F2}"/>
               </a:ext>
             </a:extLst>
           </p:cNvPr>
@@ -3433,10 +3438,108 @@
         </p:nvSpPr>
         <p:spPr>
           <a:xfrm>
-            <a:off x="5465718" y="1832344"/>
+            <a:off x="4169399" y="3869992"/>
             <a:ext cx="1181100" cy="1114425"/>
           </a:xfrm>
           <a:prstGeom prst="ellipse">
+            <a:avLst/>
+          </a:prstGeom>
+        </p:spPr>
+        <p:style>
+          <a:lnRef idx="2">
+            <a:schemeClr val="accent1">
+              <a:shade val="50000"/>
+            </a:schemeClr>
+          </a:lnRef>
+          <a:fillRef idx="1">
+            <a:schemeClr val="accent1"/>
+          </a:fillRef>
+          <a:effectRef idx="0">
+            <a:schemeClr val="accent1"/>
+          </a:effectRef>
+          <a:fontRef idx="minor">
+            <a:schemeClr val="lt1"/>
+          </a:fontRef>
+        </p:style>
+        <p:txBody>
+          <a:bodyPr rtlCol="0" anchor="ctr"/>
+          <a:lstStyle/>
+          <a:p>
+            <a:pPr algn="ctr"/>
+            <a:r>
+              <a:rPr lang="en-US" dirty="0"/>
+              <a:t>i2</a:t>
+            </a:r>
+          </a:p>
+        </p:txBody>
+      </p:sp>
+      <p:sp>
+        <p:nvSpPr>
+          <p:cNvPr id="10" name="Oval 9">
+            <a:extLst>
+              <a:ext uri="{FF2B5EF4-FFF2-40B4-BE49-F238E27FC236}">
+                <a16:creationId xmlns:a16="http://schemas.microsoft.com/office/drawing/2014/main" id="{1C0019AA-C1B1-48BB-A443-26D4CB7549BA}"/>
+              </a:ext>
+            </a:extLst>
+          </p:cNvPr>
+          <p:cNvSpPr/>
+          <p:nvPr/>
+        </p:nvSpPr>
+        <p:spPr>
+          <a:xfrm>
+            <a:off x="5854508" y="3869992"/>
+            <a:ext cx="1181100" cy="1114425"/>
+          </a:xfrm>
+          <a:prstGeom prst="ellipse">
+            <a:avLst/>
+          </a:prstGeom>
+        </p:spPr>
+        <p:style>
+          <a:lnRef idx="2">
+            <a:schemeClr val="accent1">
+              <a:shade val="50000"/>
+            </a:schemeClr>
+          </a:lnRef>
+          <a:fillRef idx="1">
+            <a:schemeClr val="accent1"/>
+          </a:fillRef>
+          <a:effectRef idx="0">
+            <a:schemeClr val="accent1"/>
+          </a:effectRef>
+          <a:fontRef idx="minor">
+            <a:schemeClr val="lt1"/>
+          </a:fontRef>
+        </p:style>
+        <p:txBody>
+          <a:bodyPr rtlCol="0" anchor="ctr"/>
+          <a:lstStyle/>
+          <a:p>
+            <a:pPr algn="ctr"/>
+            <a:r>
+              <a:rPr lang="en-US" dirty="0"/>
+              <a:t>s2</a:t>
+            </a:r>
+          </a:p>
+        </p:txBody>
+      </p:sp>
+      <p:sp>
+        <p:nvSpPr>
+          <p:cNvPr id="14" name="Rectangle 13">
+            <a:extLst>
+              <a:ext uri="{FF2B5EF4-FFF2-40B4-BE49-F238E27FC236}">
+                <a16:creationId xmlns:a16="http://schemas.microsoft.com/office/drawing/2014/main" id="{BA0FF293-5864-44D5-9CCB-173639ED9793}"/>
+              </a:ext>
+            </a:extLst>
+          </p:cNvPr>
+          <p:cNvSpPr/>
+          <p:nvPr/>
+        </p:nvSpPr>
+        <p:spPr>
+          <a:xfrm>
+            <a:off x="2095500" y="606612"/>
+            <a:ext cx="961209" cy="618309"/>
+          </a:xfrm>
+          <a:prstGeom prst="rect">
             <a:avLst/>
           </a:prstGeom>
         </p:spPr>
@@ -3463,17 +3566,17 @@
             <a:pPr algn="ctr"/>
             <a:r>
               <a:rPr lang="en-US" dirty="0"/>
-              <a:t>s3</a:t>
-            </a:r>
-          </a:p>
-        </p:txBody>
-      </p:sp>
-      <p:sp>
-        <p:nvSpPr>
-          <p:cNvPr id="7" name="Oval 6">
-            <a:extLst>
-              <a:ext uri="{FF2B5EF4-FFF2-40B4-BE49-F238E27FC236}">
-                <a16:creationId xmlns:a16="http://schemas.microsoft.com/office/drawing/2014/main" id="{01F54CC1-55F2-4EB0-9146-67F93C68D900}"/>
+              <a:t>SN1</a:t>
+            </a:r>
+          </a:p>
+        </p:txBody>
+      </p:sp>
+      <p:sp>
+        <p:nvSpPr>
+          <p:cNvPr id="15" name="Rectangle 14">
+            <a:extLst>
+              <a:ext uri="{FF2B5EF4-FFF2-40B4-BE49-F238E27FC236}">
+                <a16:creationId xmlns:a16="http://schemas.microsoft.com/office/drawing/2014/main" id="{5686C124-6D54-4D2B-AFEB-EC2227E43ED7}"/>
               </a:ext>
             </a:extLst>
           </p:cNvPr>
@@ -3482,10 +3585,10 @@
         </p:nvSpPr>
         <p:spPr>
           <a:xfrm>
-            <a:off x="7150827" y="1825812"/>
-            <a:ext cx="1181100" cy="1114425"/>
-          </a:xfrm>
-          <a:prstGeom prst="ellipse">
+            <a:off x="9055827" y="606612"/>
+            <a:ext cx="961209" cy="618309"/>
+          </a:xfrm>
+          <a:prstGeom prst="rect">
             <a:avLst/>
           </a:prstGeom>
         </p:spPr>
@@ -3512,17 +3615,17 @@
             <a:pPr algn="ctr"/>
             <a:r>
               <a:rPr lang="en-US" dirty="0"/>
-              <a:t>s5</a:t>
-            </a:r>
-          </a:p>
-        </p:txBody>
-      </p:sp>
-      <p:sp>
-        <p:nvSpPr>
-          <p:cNvPr id="8" name="Oval 7">
-            <a:extLst>
-              <a:ext uri="{FF2B5EF4-FFF2-40B4-BE49-F238E27FC236}">
-                <a16:creationId xmlns:a16="http://schemas.microsoft.com/office/drawing/2014/main" id="{885A289D-6F88-4030-B1A7-FB8CFA3EB58B}"/>
+              <a:t>SN5</a:t>
+            </a:r>
+          </a:p>
+        </p:txBody>
+      </p:sp>
+      <p:sp>
+        <p:nvSpPr>
+          <p:cNvPr id="16" name="Rectangle 15">
+            <a:extLst>
+              <a:ext uri="{FF2B5EF4-FFF2-40B4-BE49-F238E27FC236}">
+                <a16:creationId xmlns:a16="http://schemas.microsoft.com/office/drawing/2014/main" id="{4BBA7C82-06A9-4A09-8522-993689830787}"/>
               </a:ext>
             </a:extLst>
           </p:cNvPr>
@@ -3531,10 +3634,10 @@
         </p:nvSpPr>
         <p:spPr>
           <a:xfrm>
-            <a:off x="8835936" y="1832344"/>
-            <a:ext cx="1181100" cy="1114425"/>
-          </a:xfrm>
-          <a:prstGeom prst="ellipse">
+            <a:off x="7260772" y="606612"/>
+            <a:ext cx="961209" cy="618309"/>
+          </a:xfrm>
+          <a:prstGeom prst="rect">
             <a:avLst/>
           </a:prstGeom>
         </p:spPr>
@@ -3561,17 +3664,17 @@
             <a:pPr algn="ctr"/>
             <a:r>
               <a:rPr lang="en-US" dirty="0"/>
-              <a:t>s7</a:t>
-            </a:r>
-          </a:p>
-        </p:txBody>
-      </p:sp>
-      <p:sp>
-        <p:nvSpPr>
-          <p:cNvPr id="9" name="Oval 8">
-            <a:extLst>
-              <a:ext uri="{FF2B5EF4-FFF2-40B4-BE49-F238E27FC236}">
-                <a16:creationId xmlns:a16="http://schemas.microsoft.com/office/drawing/2014/main" id="{1F9FFF61-27FE-40AC-AAE4-1DD7E2A328F2}"/>
+              <a:t>SN4</a:t>
+            </a:r>
+          </a:p>
+        </p:txBody>
+      </p:sp>
+      <p:sp>
+        <p:nvSpPr>
+          <p:cNvPr id="17" name="Rectangle 16">
+            <a:extLst>
+              <a:ext uri="{FF2B5EF4-FFF2-40B4-BE49-F238E27FC236}">
+                <a16:creationId xmlns:a16="http://schemas.microsoft.com/office/drawing/2014/main" id="{C77F4B52-D9CD-4AAF-B5DC-BF9A9FDF7DD2}"/>
               </a:ext>
             </a:extLst>
           </p:cNvPr>
@@ -3580,10 +3683,108 @@
         </p:nvSpPr>
         <p:spPr>
           <a:xfrm>
-            <a:off x="2095500" y="3841711"/>
-            <a:ext cx="1181100" cy="1114425"/>
-          </a:xfrm>
-          <a:prstGeom prst="ellipse">
+            <a:off x="5575663" y="606613"/>
+            <a:ext cx="961209" cy="618309"/>
+          </a:xfrm>
+          <a:prstGeom prst="rect">
+            <a:avLst/>
+          </a:prstGeom>
+        </p:spPr>
+        <p:style>
+          <a:lnRef idx="2">
+            <a:schemeClr val="accent6">
+              <a:shade val="50000"/>
+            </a:schemeClr>
+          </a:lnRef>
+          <a:fillRef idx="1">
+            <a:schemeClr val="accent6"/>
+          </a:fillRef>
+          <a:effectRef idx="0">
+            <a:schemeClr val="accent6"/>
+          </a:effectRef>
+          <a:fontRef idx="minor">
+            <a:schemeClr val="lt1"/>
+          </a:fontRef>
+        </p:style>
+        <p:txBody>
+          <a:bodyPr rtlCol="0" anchor="ctr"/>
+          <a:lstStyle/>
+          <a:p>
+            <a:pPr algn="ctr"/>
+            <a:r>
+              <a:rPr lang="en-US" dirty="0"/>
+              <a:t>SN3</a:t>
+            </a:r>
+          </a:p>
+        </p:txBody>
+      </p:sp>
+      <p:sp>
+        <p:nvSpPr>
+          <p:cNvPr id="18" name="Rectangle 17">
+            <a:extLst>
+              <a:ext uri="{FF2B5EF4-FFF2-40B4-BE49-F238E27FC236}">
+                <a16:creationId xmlns:a16="http://schemas.microsoft.com/office/drawing/2014/main" id="{9831CA81-CE2B-42FC-A487-CCD41C1213AB}"/>
+              </a:ext>
+            </a:extLst>
+          </p:cNvPr>
+          <p:cNvSpPr/>
+          <p:nvPr/>
+        </p:nvSpPr>
+        <p:spPr>
+          <a:xfrm>
+            <a:off x="3780609" y="606614"/>
+            <a:ext cx="961209" cy="618309"/>
+          </a:xfrm>
+          <a:prstGeom prst="rect">
+            <a:avLst/>
+          </a:prstGeom>
+        </p:spPr>
+        <p:style>
+          <a:lnRef idx="2">
+            <a:schemeClr val="accent6">
+              <a:shade val="50000"/>
+            </a:schemeClr>
+          </a:lnRef>
+          <a:fillRef idx="1">
+            <a:schemeClr val="accent6"/>
+          </a:fillRef>
+          <a:effectRef idx="0">
+            <a:schemeClr val="accent6"/>
+          </a:effectRef>
+          <a:fontRef idx="minor">
+            <a:schemeClr val="lt1"/>
+          </a:fontRef>
+        </p:style>
+        <p:txBody>
+          <a:bodyPr rtlCol="0" anchor="ctr"/>
+          <a:lstStyle/>
+          <a:p>
+            <a:pPr algn="ctr"/>
+            <a:r>
+              <a:rPr lang="en-US" dirty="0"/>
+              <a:t>SN2</a:t>
+            </a:r>
+          </a:p>
+        </p:txBody>
+      </p:sp>
+      <p:sp>
+        <p:nvSpPr>
+          <p:cNvPr id="19" name="Rectangle 18">
+            <a:extLst>
+              <a:ext uri="{FF2B5EF4-FFF2-40B4-BE49-F238E27FC236}">
+                <a16:creationId xmlns:a16="http://schemas.microsoft.com/office/drawing/2014/main" id="{BE5465F3-BDDD-429B-8246-797F4DC70389}"/>
+              </a:ext>
+            </a:extLst>
+          </p:cNvPr>
+          <p:cNvSpPr/>
+          <p:nvPr/>
+        </p:nvSpPr>
+        <p:spPr>
+          <a:xfrm>
+            <a:off x="2095500" y="5661942"/>
+            <a:ext cx="961209" cy="618309"/>
+          </a:xfrm>
+          <a:prstGeom prst="rect">
             <a:avLst/>
           </a:prstGeom>
         </p:spPr>
@@ -3610,17 +3811,17 @@
             <a:pPr algn="ctr"/>
             <a:r>
               <a:rPr lang="en-US" dirty="0"/>
-              <a:t>i2</a:t>
-            </a:r>
-          </a:p>
-        </p:txBody>
-      </p:sp>
-      <p:sp>
-        <p:nvSpPr>
-          <p:cNvPr id="10" name="Oval 9">
-            <a:extLst>
-              <a:ext uri="{FF2B5EF4-FFF2-40B4-BE49-F238E27FC236}">
-                <a16:creationId xmlns:a16="http://schemas.microsoft.com/office/drawing/2014/main" id="{1C0019AA-C1B1-48BB-A443-26D4CB7549BA}"/>
+              <a:t>B1</a:t>
+            </a:r>
+          </a:p>
+        </p:txBody>
+      </p:sp>
+      <p:sp>
+        <p:nvSpPr>
+          <p:cNvPr id="20" name="Rectangle 19">
+            <a:extLst>
+              <a:ext uri="{FF2B5EF4-FFF2-40B4-BE49-F238E27FC236}">
+                <a16:creationId xmlns:a16="http://schemas.microsoft.com/office/drawing/2014/main" id="{4D04FF37-584D-435F-BDCF-F89986AD1404}"/>
               </a:ext>
             </a:extLst>
           </p:cNvPr>
@@ -3629,10 +3830,10 @@
         </p:nvSpPr>
         <p:spPr>
           <a:xfrm>
-            <a:off x="3780609" y="3841711"/>
-            <a:ext cx="1181100" cy="1114425"/>
-          </a:xfrm>
-          <a:prstGeom prst="ellipse">
+            <a:off x="9055827" y="5661942"/>
+            <a:ext cx="961209" cy="618309"/>
+          </a:xfrm>
+          <a:prstGeom prst="rect">
             <a:avLst/>
           </a:prstGeom>
         </p:spPr>
@@ -3659,17 +3860,17 @@
             <a:pPr algn="ctr"/>
             <a:r>
               <a:rPr lang="en-US" dirty="0"/>
-              <a:t>s2</a:t>
-            </a:r>
-          </a:p>
-        </p:txBody>
-      </p:sp>
-      <p:sp>
-        <p:nvSpPr>
-          <p:cNvPr id="11" name="Oval 10">
-            <a:extLst>
-              <a:ext uri="{FF2B5EF4-FFF2-40B4-BE49-F238E27FC236}">
-                <a16:creationId xmlns:a16="http://schemas.microsoft.com/office/drawing/2014/main" id="{E13F6804-1B10-4005-B963-E135DEC1B1DC}"/>
+              <a:t>B5</a:t>
+            </a:r>
+          </a:p>
+        </p:txBody>
+      </p:sp>
+      <p:sp>
+        <p:nvSpPr>
+          <p:cNvPr id="21" name="Rectangle 20">
+            <a:extLst>
+              <a:ext uri="{FF2B5EF4-FFF2-40B4-BE49-F238E27FC236}">
+                <a16:creationId xmlns:a16="http://schemas.microsoft.com/office/drawing/2014/main" id="{06C8547E-1A91-4E43-B6BD-0FB856CA2C05}"/>
               </a:ext>
             </a:extLst>
           </p:cNvPr>
@@ -3678,10 +3879,10 @@
         </p:nvSpPr>
         <p:spPr>
           <a:xfrm>
-            <a:off x="5465718" y="3848242"/>
-            <a:ext cx="1181100" cy="1114425"/>
-          </a:xfrm>
-          <a:prstGeom prst="ellipse">
+            <a:off x="7260772" y="5661942"/>
+            <a:ext cx="961209" cy="618309"/>
+          </a:xfrm>
+          <a:prstGeom prst="rect">
             <a:avLst/>
           </a:prstGeom>
         </p:spPr>
@@ -3708,17 +3909,17 @@
             <a:pPr algn="ctr"/>
             <a:r>
               <a:rPr lang="en-US" dirty="0"/>
-              <a:t>s4</a:t>
-            </a:r>
-          </a:p>
-        </p:txBody>
-      </p:sp>
-      <p:sp>
-        <p:nvSpPr>
-          <p:cNvPr id="12" name="Oval 11">
-            <a:extLst>
-              <a:ext uri="{FF2B5EF4-FFF2-40B4-BE49-F238E27FC236}">
-                <a16:creationId xmlns:a16="http://schemas.microsoft.com/office/drawing/2014/main" id="{F978D6EC-07C0-46F0-A527-4BB4A29A643A}"/>
+              <a:t>B4</a:t>
+            </a:r>
+          </a:p>
+        </p:txBody>
+      </p:sp>
+      <p:sp>
+        <p:nvSpPr>
+          <p:cNvPr id="22" name="Rectangle 21">
+            <a:extLst>
+              <a:ext uri="{FF2B5EF4-FFF2-40B4-BE49-F238E27FC236}">
+                <a16:creationId xmlns:a16="http://schemas.microsoft.com/office/drawing/2014/main" id="{C927C536-2BE9-419C-8B9D-11C41BFB149C}"/>
               </a:ext>
             </a:extLst>
           </p:cNvPr>
@@ -3727,10 +3928,10 @@
         </p:nvSpPr>
         <p:spPr>
           <a:xfrm>
-            <a:off x="7150827" y="3841710"/>
-            <a:ext cx="1181100" cy="1114425"/>
-          </a:xfrm>
-          <a:prstGeom prst="ellipse">
+            <a:off x="5575663" y="5661943"/>
+            <a:ext cx="961209" cy="618309"/>
+          </a:xfrm>
+          <a:prstGeom prst="rect">
             <a:avLst/>
           </a:prstGeom>
         </p:spPr>
@@ -3757,17 +3958,17 @@
             <a:pPr algn="ctr"/>
             <a:r>
               <a:rPr lang="en-US" dirty="0"/>
-              <a:t>s6</a:t>
-            </a:r>
-          </a:p>
-        </p:txBody>
-      </p:sp>
-      <p:sp>
-        <p:nvSpPr>
-          <p:cNvPr id="13" name="Oval 12">
-            <a:extLst>
-              <a:ext uri="{FF2B5EF4-FFF2-40B4-BE49-F238E27FC236}">
-                <a16:creationId xmlns:a16="http://schemas.microsoft.com/office/drawing/2014/main" id="{EA686F4B-6C94-4C2A-B4DE-26BF16229B5E}"/>
+              <a:t>B3</a:t>
+            </a:r>
+          </a:p>
+        </p:txBody>
+      </p:sp>
+      <p:sp>
+        <p:nvSpPr>
+          <p:cNvPr id="23" name="Rectangle 22">
+            <a:extLst>
+              <a:ext uri="{FF2B5EF4-FFF2-40B4-BE49-F238E27FC236}">
+                <a16:creationId xmlns:a16="http://schemas.microsoft.com/office/drawing/2014/main" id="{A59EB646-FB90-4EA8-92FE-4D67DE1FF02E}"/>
               </a:ext>
             </a:extLst>
           </p:cNvPr>
@@ -3776,10 +3977,10 @@
         </p:nvSpPr>
         <p:spPr>
           <a:xfrm>
-            <a:off x="8835936" y="3848242"/>
-            <a:ext cx="1181100" cy="1114425"/>
-          </a:xfrm>
-          <a:prstGeom prst="ellipse">
+            <a:off x="3780609" y="5661944"/>
+            <a:ext cx="961209" cy="618309"/>
+          </a:xfrm>
+          <a:prstGeom prst="rect">
             <a:avLst/>
           </a:prstGeom>
         </p:spPr>
@@ -3806,496 +4007,6 @@
             <a:pPr algn="ctr"/>
             <a:r>
               <a:rPr lang="en-US" dirty="0"/>
-              <a:t>s8</a:t>
-            </a:r>
-          </a:p>
-        </p:txBody>
-      </p:sp>
-      <p:sp>
-        <p:nvSpPr>
-          <p:cNvPr id="14" name="Rectangle 13">
-            <a:extLst>
-              <a:ext uri="{FF2B5EF4-FFF2-40B4-BE49-F238E27FC236}">
-                <a16:creationId xmlns:a16="http://schemas.microsoft.com/office/drawing/2014/main" id="{BA0FF293-5864-44D5-9CCB-173639ED9793}"/>
-              </a:ext>
-            </a:extLst>
-          </p:cNvPr>
-          <p:cNvSpPr/>
-          <p:nvPr/>
-        </p:nvSpPr>
-        <p:spPr>
-          <a:xfrm>
-            <a:off x="2095500" y="606612"/>
-            <a:ext cx="961209" cy="618309"/>
-          </a:xfrm>
-          <a:prstGeom prst="rect">
-            <a:avLst/>
-          </a:prstGeom>
-        </p:spPr>
-        <p:style>
-          <a:lnRef idx="2">
-            <a:schemeClr val="accent6">
-              <a:shade val="50000"/>
-            </a:schemeClr>
-          </a:lnRef>
-          <a:fillRef idx="1">
-            <a:schemeClr val="accent6"/>
-          </a:fillRef>
-          <a:effectRef idx="0">
-            <a:schemeClr val="accent6"/>
-          </a:effectRef>
-          <a:fontRef idx="minor">
-            <a:schemeClr val="lt1"/>
-          </a:fontRef>
-        </p:style>
-        <p:txBody>
-          <a:bodyPr rtlCol="0" anchor="ctr"/>
-          <a:lstStyle/>
-          <a:p>
-            <a:pPr algn="ctr"/>
-            <a:r>
-              <a:rPr lang="en-US" dirty="0"/>
-              <a:t>SN1</a:t>
-            </a:r>
-          </a:p>
-        </p:txBody>
-      </p:sp>
-      <p:sp>
-        <p:nvSpPr>
-          <p:cNvPr id="15" name="Rectangle 14">
-            <a:extLst>
-              <a:ext uri="{FF2B5EF4-FFF2-40B4-BE49-F238E27FC236}">
-                <a16:creationId xmlns:a16="http://schemas.microsoft.com/office/drawing/2014/main" id="{5686C124-6D54-4D2B-AFEB-EC2227E43ED7}"/>
-              </a:ext>
-            </a:extLst>
-          </p:cNvPr>
-          <p:cNvSpPr/>
-          <p:nvPr/>
-        </p:nvSpPr>
-        <p:spPr>
-          <a:xfrm>
-            <a:off x="9055827" y="606612"/>
-            <a:ext cx="961209" cy="618309"/>
-          </a:xfrm>
-          <a:prstGeom prst="rect">
-            <a:avLst/>
-          </a:prstGeom>
-        </p:spPr>
-        <p:style>
-          <a:lnRef idx="2">
-            <a:schemeClr val="accent6">
-              <a:shade val="50000"/>
-            </a:schemeClr>
-          </a:lnRef>
-          <a:fillRef idx="1">
-            <a:schemeClr val="accent6"/>
-          </a:fillRef>
-          <a:effectRef idx="0">
-            <a:schemeClr val="accent6"/>
-          </a:effectRef>
-          <a:fontRef idx="minor">
-            <a:schemeClr val="lt1"/>
-          </a:fontRef>
-        </p:style>
-        <p:txBody>
-          <a:bodyPr rtlCol="0" anchor="ctr"/>
-          <a:lstStyle/>
-          <a:p>
-            <a:pPr algn="ctr"/>
-            <a:r>
-              <a:rPr lang="en-US" dirty="0"/>
-              <a:t>SN5</a:t>
-            </a:r>
-          </a:p>
-        </p:txBody>
-      </p:sp>
-      <p:sp>
-        <p:nvSpPr>
-          <p:cNvPr id="16" name="Rectangle 15">
-            <a:extLst>
-              <a:ext uri="{FF2B5EF4-FFF2-40B4-BE49-F238E27FC236}">
-                <a16:creationId xmlns:a16="http://schemas.microsoft.com/office/drawing/2014/main" id="{4BBA7C82-06A9-4A09-8522-993689830787}"/>
-              </a:ext>
-            </a:extLst>
-          </p:cNvPr>
-          <p:cNvSpPr/>
-          <p:nvPr/>
-        </p:nvSpPr>
-        <p:spPr>
-          <a:xfrm>
-            <a:off x="7260772" y="606612"/>
-            <a:ext cx="961209" cy="618309"/>
-          </a:xfrm>
-          <a:prstGeom prst="rect">
-            <a:avLst/>
-          </a:prstGeom>
-        </p:spPr>
-        <p:style>
-          <a:lnRef idx="2">
-            <a:schemeClr val="accent6">
-              <a:shade val="50000"/>
-            </a:schemeClr>
-          </a:lnRef>
-          <a:fillRef idx="1">
-            <a:schemeClr val="accent6"/>
-          </a:fillRef>
-          <a:effectRef idx="0">
-            <a:schemeClr val="accent6"/>
-          </a:effectRef>
-          <a:fontRef idx="minor">
-            <a:schemeClr val="lt1"/>
-          </a:fontRef>
-        </p:style>
-        <p:txBody>
-          <a:bodyPr rtlCol="0" anchor="ctr"/>
-          <a:lstStyle/>
-          <a:p>
-            <a:pPr algn="ctr"/>
-            <a:r>
-              <a:rPr lang="en-US" dirty="0"/>
-              <a:t>SN4</a:t>
-            </a:r>
-          </a:p>
-        </p:txBody>
-      </p:sp>
-      <p:sp>
-        <p:nvSpPr>
-          <p:cNvPr id="17" name="Rectangle 16">
-            <a:extLst>
-              <a:ext uri="{FF2B5EF4-FFF2-40B4-BE49-F238E27FC236}">
-                <a16:creationId xmlns:a16="http://schemas.microsoft.com/office/drawing/2014/main" id="{C77F4B52-D9CD-4AAF-B5DC-BF9A9FDF7DD2}"/>
-              </a:ext>
-            </a:extLst>
-          </p:cNvPr>
-          <p:cNvSpPr/>
-          <p:nvPr/>
-        </p:nvSpPr>
-        <p:spPr>
-          <a:xfrm>
-            <a:off x="5575663" y="606613"/>
-            <a:ext cx="961209" cy="618309"/>
-          </a:xfrm>
-          <a:prstGeom prst="rect">
-            <a:avLst/>
-          </a:prstGeom>
-        </p:spPr>
-        <p:style>
-          <a:lnRef idx="2">
-            <a:schemeClr val="accent6">
-              <a:shade val="50000"/>
-            </a:schemeClr>
-          </a:lnRef>
-          <a:fillRef idx="1">
-            <a:schemeClr val="accent6"/>
-          </a:fillRef>
-          <a:effectRef idx="0">
-            <a:schemeClr val="accent6"/>
-          </a:effectRef>
-          <a:fontRef idx="minor">
-            <a:schemeClr val="lt1"/>
-          </a:fontRef>
-        </p:style>
-        <p:txBody>
-          <a:bodyPr rtlCol="0" anchor="ctr"/>
-          <a:lstStyle/>
-          <a:p>
-            <a:pPr algn="ctr"/>
-            <a:r>
-              <a:rPr lang="en-US" dirty="0"/>
-              <a:t>SN3</a:t>
-            </a:r>
-          </a:p>
-        </p:txBody>
-      </p:sp>
-      <p:sp>
-        <p:nvSpPr>
-          <p:cNvPr id="18" name="Rectangle 17">
-            <a:extLst>
-              <a:ext uri="{FF2B5EF4-FFF2-40B4-BE49-F238E27FC236}">
-                <a16:creationId xmlns:a16="http://schemas.microsoft.com/office/drawing/2014/main" id="{9831CA81-CE2B-42FC-A487-CCD41C1213AB}"/>
-              </a:ext>
-            </a:extLst>
-          </p:cNvPr>
-          <p:cNvSpPr/>
-          <p:nvPr/>
-        </p:nvSpPr>
-        <p:spPr>
-          <a:xfrm>
-            <a:off x="3780609" y="606614"/>
-            <a:ext cx="961209" cy="618309"/>
-          </a:xfrm>
-          <a:prstGeom prst="rect">
-            <a:avLst/>
-          </a:prstGeom>
-        </p:spPr>
-        <p:style>
-          <a:lnRef idx="2">
-            <a:schemeClr val="accent6">
-              <a:shade val="50000"/>
-            </a:schemeClr>
-          </a:lnRef>
-          <a:fillRef idx="1">
-            <a:schemeClr val="accent6"/>
-          </a:fillRef>
-          <a:effectRef idx="0">
-            <a:schemeClr val="accent6"/>
-          </a:effectRef>
-          <a:fontRef idx="minor">
-            <a:schemeClr val="lt1"/>
-          </a:fontRef>
-        </p:style>
-        <p:txBody>
-          <a:bodyPr rtlCol="0" anchor="ctr"/>
-          <a:lstStyle/>
-          <a:p>
-            <a:pPr algn="ctr"/>
-            <a:r>
-              <a:rPr lang="en-US" dirty="0"/>
-              <a:t>SN2</a:t>
-            </a:r>
-          </a:p>
-        </p:txBody>
-      </p:sp>
-      <p:sp>
-        <p:nvSpPr>
-          <p:cNvPr id="19" name="Rectangle 18">
-            <a:extLst>
-              <a:ext uri="{FF2B5EF4-FFF2-40B4-BE49-F238E27FC236}">
-                <a16:creationId xmlns:a16="http://schemas.microsoft.com/office/drawing/2014/main" id="{BE5465F3-BDDD-429B-8246-797F4DC70389}"/>
-              </a:ext>
-            </a:extLst>
-          </p:cNvPr>
-          <p:cNvSpPr/>
-          <p:nvPr/>
-        </p:nvSpPr>
-        <p:spPr>
-          <a:xfrm>
-            <a:off x="2095500" y="5661942"/>
-            <a:ext cx="961209" cy="618309"/>
-          </a:xfrm>
-          <a:prstGeom prst="rect">
-            <a:avLst/>
-          </a:prstGeom>
-        </p:spPr>
-        <p:style>
-          <a:lnRef idx="2">
-            <a:schemeClr val="accent1">
-              <a:shade val="50000"/>
-            </a:schemeClr>
-          </a:lnRef>
-          <a:fillRef idx="1">
-            <a:schemeClr val="accent1"/>
-          </a:fillRef>
-          <a:effectRef idx="0">
-            <a:schemeClr val="accent1"/>
-          </a:effectRef>
-          <a:fontRef idx="minor">
-            <a:schemeClr val="lt1"/>
-          </a:fontRef>
-        </p:style>
-        <p:txBody>
-          <a:bodyPr rtlCol="0" anchor="ctr"/>
-          <a:lstStyle/>
-          <a:p>
-            <a:pPr algn="ctr"/>
-            <a:r>
-              <a:rPr lang="en-US" dirty="0"/>
-              <a:t>B1</a:t>
-            </a:r>
-          </a:p>
-        </p:txBody>
-      </p:sp>
-      <p:sp>
-        <p:nvSpPr>
-          <p:cNvPr id="20" name="Rectangle 19">
-            <a:extLst>
-              <a:ext uri="{FF2B5EF4-FFF2-40B4-BE49-F238E27FC236}">
-                <a16:creationId xmlns:a16="http://schemas.microsoft.com/office/drawing/2014/main" id="{4D04FF37-584D-435F-BDCF-F89986AD1404}"/>
-              </a:ext>
-            </a:extLst>
-          </p:cNvPr>
-          <p:cNvSpPr/>
-          <p:nvPr/>
-        </p:nvSpPr>
-        <p:spPr>
-          <a:xfrm>
-            <a:off x="9055827" y="5661942"/>
-            <a:ext cx="961209" cy="618309"/>
-          </a:xfrm>
-          <a:prstGeom prst="rect">
-            <a:avLst/>
-          </a:prstGeom>
-        </p:spPr>
-        <p:style>
-          <a:lnRef idx="2">
-            <a:schemeClr val="accent1">
-              <a:shade val="50000"/>
-            </a:schemeClr>
-          </a:lnRef>
-          <a:fillRef idx="1">
-            <a:schemeClr val="accent1"/>
-          </a:fillRef>
-          <a:effectRef idx="0">
-            <a:schemeClr val="accent1"/>
-          </a:effectRef>
-          <a:fontRef idx="minor">
-            <a:schemeClr val="lt1"/>
-          </a:fontRef>
-        </p:style>
-        <p:txBody>
-          <a:bodyPr rtlCol="0" anchor="ctr"/>
-          <a:lstStyle/>
-          <a:p>
-            <a:pPr algn="ctr"/>
-            <a:r>
-              <a:rPr lang="en-US" dirty="0"/>
-              <a:t>B5</a:t>
-            </a:r>
-          </a:p>
-        </p:txBody>
-      </p:sp>
-      <p:sp>
-        <p:nvSpPr>
-          <p:cNvPr id="21" name="Rectangle 20">
-            <a:extLst>
-              <a:ext uri="{FF2B5EF4-FFF2-40B4-BE49-F238E27FC236}">
-                <a16:creationId xmlns:a16="http://schemas.microsoft.com/office/drawing/2014/main" id="{06C8547E-1A91-4E43-B6BD-0FB856CA2C05}"/>
-              </a:ext>
-            </a:extLst>
-          </p:cNvPr>
-          <p:cNvSpPr/>
-          <p:nvPr/>
-        </p:nvSpPr>
-        <p:spPr>
-          <a:xfrm>
-            <a:off x="7260772" y="5661942"/>
-            <a:ext cx="961209" cy="618309"/>
-          </a:xfrm>
-          <a:prstGeom prst="rect">
-            <a:avLst/>
-          </a:prstGeom>
-        </p:spPr>
-        <p:style>
-          <a:lnRef idx="2">
-            <a:schemeClr val="accent1">
-              <a:shade val="50000"/>
-            </a:schemeClr>
-          </a:lnRef>
-          <a:fillRef idx="1">
-            <a:schemeClr val="accent1"/>
-          </a:fillRef>
-          <a:effectRef idx="0">
-            <a:schemeClr val="accent1"/>
-          </a:effectRef>
-          <a:fontRef idx="minor">
-            <a:schemeClr val="lt1"/>
-          </a:fontRef>
-        </p:style>
-        <p:txBody>
-          <a:bodyPr rtlCol="0" anchor="ctr"/>
-          <a:lstStyle/>
-          <a:p>
-            <a:pPr algn="ctr"/>
-            <a:r>
-              <a:rPr lang="en-US" dirty="0"/>
-              <a:t>B4</a:t>
-            </a:r>
-          </a:p>
-        </p:txBody>
-      </p:sp>
-      <p:sp>
-        <p:nvSpPr>
-          <p:cNvPr id="22" name="Rectangle 21">
-            <a:extLst>
-              <a:ext uri="{FF2B5EF4-FFF2-40B4-BE49-F238E27FC236}">
-                <a16:creationId xmlns:a16="http://schemas.microsoft.com/office/drawing/2014/main" id="{C927C536-2BE9-419C-8B9D-11C41BFB149C}"/>
-              </a:ext>
-            </a:extLst>
-          </p:cNvPr>
-          <p:cNvSpPr/>
-          <p:nvPr/>
-        </p:nvSpPr>
-        <p:spPr>
-          <a:xfrm>
-            <a:off x="5575663" y="5661943"/>
-            <a:ext cx="961209" cy="618309"/>
-          </a:xfrm>
-          <a:prstGeom prst="rect">
-            <a:avLst/>
-          </a:prstGeom>
-        </p:spPr>
-        <p:style>
-          <a:lnRef idx="2">
-            <a:schemeClr val="accent1">
-              <a:shade val="50000"/>
-            </a:schemeClr>
-          </a:lnRef>
-          <a:fillRef idx="1">
-            <a:schemeClr val="accent1"/>
-          </a:fillRef>
-          <a:effectRef idx="0">
-            <a:schemeClr val="accent1"/>
-          </a:effectRef>
-          <a:fontRef idx="minor">
-            <a:schemeClr val="lt1"/>
-          </a:fontRef>
-        </p:style>
-        <p:txBody>
-          <a:bodyPr rtlCol="0" anchor="ctr"/>
-          <a:lstStyle/>
-          <a:p>
-            <a:pPr algn="ctr"/>
-            <a:r>
-              <a:rPr lang="en-US" dirty="0"/>
-              <a:t>B3</a:t>
-            </a:r>
-          </a:p>
-        </p:txBody>
-      </p:sp>
-      <p:sp>
-        <p:nvSpPr>
-          <p:cNvPr id="23" name="Rectangle 22">
-            <a:extLst>
-              <a:ext uri="{FF2B5EF4-FFF2-40B4-BE49-F238E27FC236}">
-                <a16:creationId xmlns:a16="http://schemas.microsoft.com/office/drawing/2014/main" id="{A59EB646-FB90-4EA8-92FE-4D67DE1FF02E}"/>
-              </a:ext>
-            </a:extLst>
-          </p:cNvPr>
-          <p:cNvSpPr/>
-          <p:nvPr/>
-        </p:nvSpPr>
-        <p:spPr>
-          <a:xfrm>
-            <a:off x="3780609" y="5661944"/>
-            <a:ext cx="961209" cy="618309"/>
-          </a:xfrm>
-          <a:prstGeom prst="rect">
-            <a:avLst/>
-          </a:prstGeom>
-        </p:spPr>
-        <p:style>
-          <a:lnRef idx="2">
-            <a:schemeClr val="accent1">
-              <a:shade val="50000"/>
-            </a:schemeClr>
-          </a:lnRef>
-          <a:fillRef idx="1">
-            <a:schemeClr val="accent1"/>
-          </a:fillRef>
-          <a:effectRef idx="0">
-            <a:schemeClr val="accent1"/>
-          </a:effectRef>
-          <a:fontRef idx="minor">
-            <a:schemeClr val="lt1"/>
-          </a:fontRef>
-        </p:style>
-        <p:txBody>
-          <a:bodyPr rtlCol="0" anchor="ctr"/>
-          <a:lstStyle/>
-          <a:p>
-            <a:pPr algn="ctr"/>
-            <a:r>
-              <a:rPr lang="en-US" dirty="0"/>
               <a:t>B2</a:t>
             </a:r>
           </a:p>
@@ -4318,7 +4029,7 @@
         </p:nvCxnSpPr>
         <p:spPr>
           <a:xfrm rot="10800000" flipV="1">
-            <a:off x="2095500" y="2383026"/>
+            <a:off x="4169399" y="2411307"/>
             <a:ext cx="12700" cy="2015898"/>
           </a:xfrm>
           <a:prstGeom prst="curvedConnector3">
@@ -4363,7 +4074,7 @@
         </p:nvCxnSpPr>
         <p:spPr>
           <a:xfrm flipV="1">
-            <a:off x="3103632" y="2777034"/>
+            <a:off x="5177531" y="2805315"/>
             <a:ext cx="849945" cy="1227881"/>
           </a:xfrm>
           <a:prstGeom prst="straightConnector1">
@@ -4405,7 +4116,7 @@
         </p:nvCxnSpPr>
         <p:spPr>
           <a:xfrm>
-            <a:off x="3103632" y="2777034"/>
+            <a:off x="5177531" y="2805315"/>
             <a:ext cx="849945" cy="1227881"/>
           </a:xfrm>
           <a:prstGeom prst="straightConnector1">
@@ -4448,7 +4159,7 @@
         </p:nvCxnSpPr>
         <p:spPr>
           <a:xfrm>
-            <a:off x="4961709" y="2383026"/>
+            <a:off x="7035608" y="2411307"/>
             <a:ext cx="12700" cy="2015898"/>
           </a:xfrm>
           <a:prstGeom prst="curvedConnector3">
@@ -4478,386 +4189,6 @@
       </p:cxnSp>
       <p:cxnSp>
         <p:nvCxnSpPr>
-          <p:cNvPr id="39" name="Straight Arrow Connector 38">
-            <a:extLst>
-              <a:ext uri="{FF2B5EF4-FFF2-40B4-BE49-F238E27FC236}">
-                <a16:creationId xmlns:a16="http://schemas.microsoft.com/office/drawing/2014/main" id="{70CB93C2-D725-494F-9F8F-039215A99C3F}"/>
-              </a:ext>
-            </a:extLst>
-          </p:cNvPr>
-          <p:cNvCxnSpPr>
-            <a:cxnSpLocks/>
-            <a:stCxn id="10" idx="7"/>
-          </p:cNvCxnSpPr>
-          <p:nvPr/>
-        </p:nvCxnSpPr>
-        <p:spPr>
-          <a:xfrm flipV="1">
-            <a:off x="4788741" y="2783567"/>
-            <a:ext cx="849945" cy="1221348"/>
-          </a:xfrm>
-          <a:prstGeom prst="straightConnector1">
-            <a:avLst/>
-          </a:prstGeom>
-          <a:ln>
-            <a:tailEnd type="triangle"/>
-          </a:ln>
-        </p:spPr>
-        <p:style>
-          <a:lnRef idx="1">
-            <a:schemeClr val="dk1"/>
-          </a:lnRef>
-          <a:fillRef idx="0">
-            <a:schemeClr val="dk1"/>
-          </a:fillRef>
-          <a:effectRef idx="0">
-            <a:schemeClr val="dk1"/>
-          </a:effectRef>
-          <a:fontRef idx="minor">
-            <a:schemeClr val="tx1"/>
-          </a:fontRef>
-        </p:style>
-      </p:cxnSp>
-      <p:cxnSp>
-        <p:nvCxnSpPr>
-          <p:cNvPr id="40" name="Straight Arrow Connector 39">
-            <a:extLst>
-              <a:ext uri="{FF2B5EF4-FFF2-40B4-BE49-F238E27FC236}">
-                <a16:creationId xmlns:a16="http://schemas.microsoft.com/office/drawing/2014/main" id="{0F36CC0C-AECF-4432-833E-6222524C8A14}"/>
-              </a:ext>
-            </a:extLst>
-          </p:cNvPr>
-          <p:cNvCxnSpPr>
-            <a:cxnSpLocks/>
-            <a:stCxn id="5" idx="5"/>
-          </p:cNvCxnSpPr>
-          <p:nvPr/>
-        </p:nvCxnSpPr>
-        <p:spPr>
-          <a:xfrm>
-            <a:off x="4788741" y="2777034"/>
-            <a:ext cx="849945" cy="1234412"/>
-          </a:xfrm>
-          <a:prstGeom prst="straightConnector1">
-            <a:avLst/>
-          </a:prstGeom>
-          <a:ln>
-            <a:tailEnd type="triangle"/>
-          </a:ln>
-        </p:spPr>
-        <p:style>
-          <a:lnRef idx="1">
-            <a:schemeClr val="dk1"/>
-          </a:lnRef>
-          <a:fillRef idx="0">
-            <a:schemeClr val="dk1"/>
-          </a:fillRef>
-          <a:effectRef idx="0">
-            <a:schemeClr val="dk1"/>
-          </a:effectRef>
-          <a:fontRef idx="minor">
-            <a:schemeClr val="tx1"/>
-          </a:fontRef>
-        </p:style>
-      </p:cxnSp>
-      <p:cxnSp>
-        <p:nvCxnSpPr>
-          <p:cNvPr id="45" name="Connector: Curved 44">
-            <a:extLst>
-              <a:ext uri="{FF2B5EF4-FFF2-40B4-BE49-F238E27FC236}">
-                <a16:creationId xmlns:a16="http://schemas.microsoft.com/office/drawing/2014/main" id="{6835D603-0B0D-4202-A54B-B4FC4E340DCF}"/>
-              </a:ext>
-            </a:extLst>
-          </p:cNvPr>
-          <p:cNvCxnSpPr>
-            <a:cxnSpLocks/>
-          </p:cNvCxnSpPr>
-          <p:nvPr/>
-        </p:nvCxnSpPr>
-        <p:spPr>
-          <a:xfrm>
-            <a:off x="6634118" y="2248043"/>
-            <a:ext cx="12700" cy="2015898"/>
-          </a:xfrm>
-          <a:prstGeom prst="curvedConnector3">
-            <a:avLst>
-              <a:gd name="adj1" fmla="val 1800000"/>
-            </a:avLst>
-          </a:prstGeom>
-          <a:ln>
-            <a:headEnd type="triangle"/>
-            <a:tailEnd type="triangle"/>
-          </a:ln>
-        </p:spPr>
-        <p:style>
-          <a:lnRef idx="1">
-            <a:schemeClr val="dk1"/>
-          </a:lnRef>
-          <a:fillRef idx="0">
-            <a:schemeClr val="dk1"/>
-          </a:fillRef>
-          <a:effectRef idx="0">
-            <a:schemeClr val="dk1"/>
-          </a:effectRef>
-          <a:fontRef idx="minor">
-            <a:schemeClr val="tx1"/>
-          </a:fontRef>
-        </p:style>
-      </p:cxnSp>
-      <p:cxnSp>
-        <p:nvCxnSpPr>
-          <p:cNvPr id="46" name="Straight Arrow Connector 45">
-            <a:extLst>
-              <a:ext uri="{FF2B5EF4-FFF2-40B4-BE49-F238E27FC236}">
-                <a16:creationId xmlns:a16="http://schemas.microsoft.com/office/drawing/2014/main" id="{6E08D26C-77C1-4ECC-BD4E-0D60E6C146F6}"/>
-              </a:ext>
-            </a:extLst>
-          </p:cNvPr>
-          <p:cNvCxnSpPr>
-            <a:cxnSpLocks/>
-          </p:cNvCxnSpPr>
-          <p:nvPr/>
-        </p:nvCxnSpPr>
-        <p:spPr>
-          <a:xfrm flipV="1">
-            <a:off x="6473850" y="2786907"/>
-            <a:ext cx="849945" cy="1221348"/>
-          </a:xfrm>
-          <a:prstGeom prst="straightConnector1">
-            <a:avLst/>
-          </a:prstGeom>
-          <a:ln>
-            <a:tailEnd type="triangle"/>
-          </a:ln>
-        </p:spPr>
-        <p:style>
-          <a:lnRef idx="1">
-            <a:schemeClr val="dk1"/>
-          </a:lnRef>
-          <a:fillRef idx="0">
-            <a:schemeClr val="dk1"/>
-          </a:fillRef>
-          <a:effectRef idx="0">
-            <a:schemeClr val="dk1"/>
-          </a:effectRef>
-          <a:fontRef idx="minor">
-            <a:schemeClr val="tx1"/>
-          </a:fontRef>
-        </p:style>
-      </p:cxnSp>
-      <p:cxnSp>
-        <p:nvCxnSpPr>
-          <p:cNvPr id="47" name="Straight Arrow Connector 46">
-            <a:extLst>
-              <a:ext uri="{FF2B5EF4-FFF2-40B4-BE49-F238E27FC236}">
-                <a16:creationId xmlns:a16="http://schemas.microsoft.com/office/drawing/2014/main" id="{2293FA9D-AECB-4C95-A945-0B7BD022F1DA}"/>
-              </a:ext>
-            </a:extLst>
-          </p:cNvPr>
-          <p:cNvCxnSpPr>
-            <a:cxnSpLocks/>
-          </p:cNvCxnSpPr>
-          <p:nvPr/>
-        </p:nvCxnSpPr>
-        <p:spPr>
-          <a:xfrm>
-            <a:off x="6473850" y="2780374"/>
-            <a:ext cx="849945" cy="1234412"/>
-          </a:xfrm>
-          <a:prstGeom prst="straightConnector1">
-            <a:avLst/>
-          </a:prstGeom>
-          <a:ln>
-            <a:tailEnd type="triangle"/>
-          </a:ln>
-        </p:spPr>
-        <p:style>
-          <a:lnRef idx="1">
-            <a:schemeClr val="dk1"/>
-          </a:lnRef>
-          <a:fillRef idx="0">
-            <a:schemeClr val="dk1"/>
-          </a:fillRef>
-          <a:effectRef idx="0">
-            <a:schemeClr val="dk1"/>
-          </a:effectRef>
-          <a:fontRef idx="minor">
-            <a:schemeClr val="tx1"/>
-          </a:fontRef>
-        </p:style>
-      </p:cxnSp>
-      <p:cxnSp>
-        <p:nvCxnSpPr>
-          <p:cNvPr id="48" name="Connector: Curved 47">
-            <a:extLst>
-              <a:ext uri="{FF2B5EF4-FFF2-40B4-BE49-F238E27FC236}">
-                <a16:creationId xmlns:a16="http://schemas.microsoft.com/office/drawing/2014/main" id="{92EB6404-D4BC-449C-A29E-F8B3650E012A}"/>
-              </a:ext>
-            </a:extLst>
-          </p:cNvPr>
-          <p:cNvCxnSpPr>
-            <a:cxnSpLocks/>
-          </p:cNvCxnSpPr>
-          <p:nvPr/>
-        </p:nvCxnSpPr>
-        <p:spPr>
-          <a:xfrm>
-            <a:off x="8336043" y="2383024"/>
-            <a:ext cx="12700" cy="2015898"/>
-          </a:xfrm>
-          <a:prstGeom prst="curvedConnector3">
-            <a:avLst>
-              <a:gd name="adj1" fmla="val 1800000"/>
-            </a:avLst>
-          </a:prstGeom>
-          <a:ln>
-            <a:headEnd type="triangle"/>
-            <a:tailEnd type="triangle"/>
-          </a:ln>
-        </p:spPr>
-        <p:style>
-          <a:lnRef idx="1">
-            <a:schemeClr val="dk1"/>
-          </a:lnRef>
-          <a:fillRef idx="0">
-            <a:schemeClr val="dk1"/>
-          </a:fillRef>
-          <a:effectRef idx="0">
-            <a:schemeClr val="dk1"/>
-          </a:effectRef>
-          <a:fontRef idx="minor">
-            <a:schemeClr val="tx1"/>
-          </a:fontRef>
-        </p:style>
-      </p:cxnSp>
-      <p:cxnSp>
-        <p:nvCxnSpPr>
-          <p:cNvPr id="49" name="Straight Arrow Connector 48">
-            <a:extLst>
-              <a:ext uri="{FF2B5EF4-FFF2-40B4-BE49-F238E27FC236}">
-                <a16:creationId xmlns:a16="http://schemas.microsoft.com/office/drawing/2014/main" id="{93D2FB37-9254-498C-B573-1D3A98027240}"/>
-              </a:ext>
-            </a:extLst>
-          </p:cNvPr>
-          <p:cNvCxnSpPr>
-            <a:cxnSpLocks/>
-          </p:cNvCxnSpPr>
-          <p:nvPr/>
-        </p:nvCxnSpPr>
-        <p:spPr>
-          <a:xfrm flipV="1">
-            <a:off x="8158959" y="2796576"/>
-            <a:ext cx="849945" cy="1221348"/>
-          </a:xfrm>
-          <a:prstGeom prst="straightConnector1">
-            <a:avLst/>
-          </a:prstGeom>
-          <a:ln>
-            <a:tailEnd type="triangle"/>
-          </a:ln>
-        </p:spPr>
-        <p:style>
-          <a:lnRef idx="1">
-            <a:schemeClr val="dk1"/>
-          </a:lnRef>
-          <a:fillRef idx="0">
-            <a:schemeClr val="dk1"/>
-          </a:fillRef>
-          <a:effectRef idx="0">
-            <a:schemeClr val="dk1"/>
-          </a:effectRef>
-          <a:fontRef idx="minor">
-            <a:schemeClr val="tx1"/>
-          </a:fontRef>
-        </p:style>
-      </p:cxnSp>
-      <p:cxnSp>
-        <p:nvCxnSpPr>
-          <p:cNvPr id="50" name="Straight Arrow Connector 49">
-            <a:extLst>
-              <a:ext uri="{FF2B5EF4-FFF2-40B4-BE49-F238E27FC236}">
-                <a16:creationId xmlns:a16="http://schemas.microsoft.com/office/drawing/2014/main" id="{0F0817E7-23CD-4B40-B7D4-8B0B9E8D6731}"/>
-              </a:ext>
-            </a:extLst>
-          </p:cNvPr>
-          <p:cNvCxnSpPr>
-            <a:cxnSpLocks/>
-          </p:cNvCxnSpPr>
-          <p:nvPr/>
-        </p:nvCxnSpPr>
-        <p:spPr>
-          <a:xfrm>
-            <a:off x="8158959" y="2790043"/>
-            <a:ext cx="849945" cy="1234412"/>
-          </a:xfrm>
-          <a:prstGeom prst="straightConnector1">
-            <a:avLst/>
-          </a:prstGeom>
-          <a:ln>
-            <a:tailEnd type="triangle"/>
-          </a:ln>
-        </p:spPr>
-        <p:style>
-          <a:lnRef idx="1">
-            <a:schemeClr val="dk1"/>
-          </a:lnRef>
-          <a:fillRef idx="0">
-            <a:schemeClr val="dk1"/>
-          </a:fillRef>
-          <a:effectRef idx="0">
-            <a:schemeClr val="dk1"/>
-          </a:effectRef>
-          <a:fontRef idx="minor">
-            <a:schemeClr val="tx1"/>
-          </a:fontRef>
-        </p:style>
-      </p:cxnSp>
-      <p:cxnSp>
-        <p:nvCxnSpPr>
-          <p:cNvPr id="51" name="Connector: Curved 50">
-            <a:extLst>
-              <a:ext uri="{FF2B5EF4-FFF2-40B4-BE49-F238E27FC236}">
-                <a16:creationId xmlns:a16="http://schemas.microsoft.com/office/drawing/2014/main" id="{D2E49E8C-4BC6-4312-A222-2D3C4525955E}"/>
-              </a:ext>
-            </a:extLst>
-          </p:cNvPr>
-          <p:cNvCxnSpPr>
-            <a:cxnSpLocks/>
-          </p:cNvCxnSpPr>
-          <p:nvPr/>
-        </p:nvCxnSpPr>
-        <p:spPr>
-          <a:xfrm>
-            <a:off x="10010686" y="2399300"/>
-            <a:ext cx="12700" cy="2015898"/>
-          </a:xfrm>
-          <a:prstGeom prst="curvedConnector3">
-            <a:avLst>
-              <a:gd name="adj1" fmla="val 1800000"/>
-            </a:avLst>
-          </a:prstGeom>
-          <a:ln>
-            <a:headEnd type="triangle"/>
-            <a:tailEnd type="triangle"/>
-          </a:ln>
-        </p:spPr>
-        <p:style>
-          <a:lnRef idx="1">
-            <a:schemeClr val="dk1"/>
-          </a:lnRef>
-          <a:fillRef idx="0">
-            <a:schemeClr val="dk1"/>
-          </a:fillRef>
-          <a:effectRef idx="0">
-            <a:schemeClr val="dk1"/>
-          </a:effectRef>
-          <a:fontRef idx="minor">
-            <a:schemeClr val="tx1"/>
-          </a:fontRef>
-        </p:style>
-      </p:cxnSp>
-      <p:cxnSp>
-        <p:nvCxnSpPr>
           <p:cNvPr id="53" name="Straight Arrow Connector 52">
             <a:extLst>
               <a:ext uri="{FF2B5EF4-FFF2-40B4-BE49-F238E27FC236}">
@@ -4874,7 +4205,7 @@
         <p:spPr>
           <a:xfrm flipH="1" flipV="1">
             <a:off x="2576105" y="1224921"/>
-            <a:ext cx="109945" cy="600892"/>
+            <a:ext cx="2183844" cy="629173"/>
           </a:xfrm>
           <a:prstGeom prst="straightConnector1">
             <a:avLst/>
@@ -4915,9 +4246,9 @@
           <p:nvPr/>
         </p:nvCxnSpPr>
         <p:spPr>
-          <a:xfrm flipV="1">
-            <a:off x="2686050" y="1224923"/>
-            <a:ext cx="1575164" cy="600890"/>
+          <a:xfrm flipH="1" flipV="1">
+            <a:off x="4261214" y="1224923"/>
+            <a:ext cx="498735" cy="629171"/>
           </a:xfrm>
           <a:prstGeom prst="straightConnector1">
             <a:avLst/>
@@ -4959,8 +4290,8 @@
         </p:nvCxnSpPr>
         <p:spPr>
           <a:xfrm flipV="1">
-            <a:off x="2686050" y="1224922"/>
-            <a:ext cx="3370218" cy="600891"/>
+            <a:off x="4759949" y="1224922"/>
+            <a:ext cx="1296319" cy="629172"/>
           </a:xfrm>
           <a:prstGeom prst="straightConnector1">
             <a:avLst/>
@@ -5002,8 +4333,8 @@
         </p:nvCxnSpPr>
         <p:spPr>
           <a:xfrm flipV="1">
-            <a:off x="2686050" y="1224921"/>
-            <a:ext cx="5055327" cy="600892"/>
+            <a:off x="4759949" y="1224921"/>
+            <a:ext cx="2981428" cy="629173"/>
           </a:xfrm>
           <a:prstGeom prst="straightConnector1">
             <a:avLst/>
@@ -5045,8 +4376,8 @@
         </p:nvCxnSpPr>
         <p:spPr>
           <a:xfrm flipV="1">
-            <a:off x="2686050" y="1224921"/>
-            <a:ext cx="6850382" cy="600892"/>
+            <a:off x="4759949" y="1224921"/>
+            <a:ext cx="4776483" cy="629173"/>
           </a:xfrm>
           <a:prstGeom prst="straightConnector1">
             <a:avLst/>
@@ -5088,8 +4419,8 @@
         </p:nvCxnSpPr>
         <p:spPr>
           <a:xfrm flipV="1">
-            <a:off x="4371159" y="1224921"/>
-            <a:ext cx="5165273" cy="600892"/>
+            <a:off x="6445058" y="1224921"/>
+            <a:ext cx="3091374" cy="629173"/>
           </a:xfrm>
           <a:prstGeom prst="straightConnector1">
             <a:avLst/>
@@ -5131,8 +4462,8 @@
         </p:nvCxnSpPr>
         <p:spPr>
           <a:xfrm flipV="1">
-            <a:off x="4371159" y="1224921"/>
-            <a:ext cx="3370218" cy="600892"/>
+            <a:off x="6445058" y="1224921"/>
+            <a:ext cx="1296319" cy="629173"/>
           </a:xfrm>
           <a:prstGeom prst="straightConnector1">
             <a:avLst/>
@@ -5173,9 +4504,9 @@
           <p:nvPr/>
         </p:nvCxnSpPr>
         <p:spPr>
-          <a:xfrm flipV="1">
-            <a:off x="4371159" y="1224922"/>
-            <a:ext cx="1685109" cy="600891"/>
+          <a:xfrm flipH="1" flipV="1">
+            <a:off x="6056268" y="1224922"/>
+            <a:ext cx="388790" cy="629172"/>
           </a:xfrm>
           <a:prstGeom prst="straightConnector1">
             <a:avLst/>
@@ -5218,265 +4549,7 @@
         <p:spPr>
           <a:xfrm flipH="1" flipV="1">
             <a:off x="4261214" y="1224923"/>
-            <a:ext cx="109945" cy="600890"/>
-          </a:xfrm>
-          <a:prstGeom prst="straightConnector1">
-            <a:avLst/>
-          </a:prstGeom>
-          <a:ln>
-            <a:tailEnd type="triangle"/>
-          </a:ln>
-        </p:spPr>
-        <p:style>
-          <a:lnRef idx="1">
-            <a:schemeClr val="dk1"/>
-          </a:lnRef>
-          <a:fillRef idx="0">
-            <a:schemeClr val="dk1"/>
-          </a:fillRef>
-          <a:effectRef idx="0">
-            <a:schemeClr val="dk1"/>
-          </a:effectRef>
-          <a:fontRef idx="minor">
-            <a:schemeClr val="tx1"/>
-          </a:fontRef>
-        </p:style>
-      </p:cxnSp>
-      <p:cxnSp>
-        <p:nvCxnSpPr>
-          <p:cNvPr id="78" name="Straight Arrow Connector 77">
-            <a:extLst>
-              <a:ext uri="{FF2B5EF4-FFF2-40B4-BE49-F238E27FC236}">
-                <a16:creationId xmlns:a16="http://schemas.microsoft.com/office/drawing/2014/main" id="{610DC239-3D89-46AF-9053-EBB5E5AD2723}"/>
-              </a:ext>
-            </a:extLst>
-          </p:cNvPr>
-          <p:cNvCxnSpPr>
-            <a:cxnSpLocks/>
-            <a:stCxn id="6" idx="0"/>
-            <a:endCxn id="17" idx="2"/>
-          </p:cNvCxnSpPr>
-          <p:nvPr/>
-        </p:nvCxnSpPr>
-        <p:spPr>
-          <a:xfrm flipV="1">
-            <a:off x="6056268" y="1224922"/>
-            <a:ext cx="0" cy="607422"/>
-          </a:xfrm>
-          <a:prstGeom prst="straightConnector1">
-            <a:avLst/>
-          </a:prstGeom>
-          <a:ln>
-            <a:tailEnd type="triangle"/>
-          </a:ln>
-        </p:spPr>
-        <p:style>
-          <a:lnRef idx="1">
-            <a:schemeClr val="dk1"/>
-          </a:lnRef>
-          <a:fillRef idx="0">
-            <a:schemeClr val="dk1"/>
-          </a:fillRef>
-          <a:effectRef idx="0">
-            <a:schemeClr val="dk1"/>
-          </a:effectRef>
-          <a:fontRef idx="minor">
-            <a:schemeClr val="tx1"/>
-          </a:fontRef>
-        </p:style>
-      </p:cxnSp>
-      <p:cxnSp>
-        <p:nvCxnSpPr>
-          <p:cNvPr id="81" name="Straight Arrow Connector 80">
-            <a:extLst>
-              <a:ext uri="{FF2B5EF4-FFF2-40B4-BE49-F238E27FC236}">
-                <a16:creationId xmlns:a16="http://schemas.microsoft.com/office/drawing/2014/main" id="{7A8F30CD-33E1-4A2E-A110-EFBDA3328799}"/>
-              </a:ext>
-            </a:extLst>
-          </p:cNvPr>
-          <p:cNvCxnSpPr>
-            <a:cxnSpLocks/>
-            <a:stCxn id="6" idx="0"/>
-            <a:endCxn id="16" idx="2"/>
-          </p:cNvCxnSpPr>
-          <p:nvPr/>
-        </p:nvCxnSpPr>
-        <p:spPr>
-          <a:xfrm flipV="1">
-            <a:off x="6056268" y="1224921"/>
-            <a:ext cx="1685109" cy="607423"/>
-          </a:xfrm>
-          <a:prstGeom prst="straightConnector1">
-            <a:avLst/>
-          </a:prstGeom>
-          <a:ln>
-            <a:tailEnd type="triangle"/>
-          </a:ln>
-        </p:spPr>
-        <p:style>
-          <a:lnRef idx="1">
-            <a:schemeClr val="dk1"/>
-          </a:lnRef>
-          <a:fillRef idx="0">
-            <a:schemeClr val="dk1"/>
-          </a:fillRef>
-          <a:effectRef idx="0">
-            <a:schemeClr val="dk1"/>
-          </a:effectRef>
-          <a:fontRef idx="minor">
-            <a:schemeClr val="tx1"/>
-          </a:fontRef>
-        </p:style>
-      </p:cxnSp>
-      <p:cxnSp>
-        <p:nvCxnSpPr>
-          <p:cNvPr id="84" name="Straight Arrow Connector 83">
-            <a:extLst>
-              <a:ext uri="{FF2B5EF4-FFF2-40B4-BE49-F238E27FC236}">
-                <a16:creationId xmlns:a16="http://schemas.microsoft.com/office/drawing/2014/main" id="{A68C0511-3EBA-4906-B3E9-3D7501B5A6D1}"/>
-              </a:ext>
-            </a:extLst>
-          </p:cNvPr>
-          <p:cNvCxnSpPr>
-            <a:cxnSpLocks/>
-            <a:stCxn id="6" idx="0"/>
-            <a:endCxn id="15" idx="2"/>
-          </p:cNvCxnSpPr>
-          <p:nvPr/>
-        </p:nvCxnSpPr>
-        <p:spPr>
-          <a:xfrm flipV="1">
-            <a:off x="6056268" y="1224921"/>
-            <a:ext cx="3480164" cy="607423"/>
-          </a:xfrm>
-          <a:prstGeom prst="straightConnector1">
-            <a:avLst/>
-          </a:prstGeom>
-          <a:ln>
-            <a:tailEnd type="triangle"/>
-          </a:ln>
-        </p:spPr>
-        <p:style>
-          <a:lnRef idx="1">
-            <a:schemeClr val="dk1"/>
-          </a:lnRef>
-          <a:fillRef idx="0">
-            <a:schemeClr val="dk1"/>
-          </a:fillRef>
-          <a:effectRef idx="0">
-            <a:schemeClr val="dk1"/>
-          </a:effectRef>
-          <a:fontRef idx="minor">
-            <a:schemeClr val="tx1"/>
-          </a:fontRef>
-        </p:style>
-      </p:cxnSp>
-      <p:cxnSp>
-        <p:nvCxnSpPr>
-          <p:cNvPr id="87" name="Straight Arrow Connector 86">
-            <a:extLst>
-              <a:ext uri="{FF2B5EF4-FFF2-40B4-BE49-F238E27FC236}">
-                <a16:creationId xmlns:a16="http://schemas.microsoft.com/office/drawing/2014/main" id="{99A03CCB-8886-40CF-B19B-3B228A28ED8A}"/>
-              </a:ext>
-            </a:extLst>
-          </p:cNvPr>
-          <p:cNvCxnSpPr>
-            <a:cxnSpLocks/>
-            <a:stCxn id="7" idx="0"/>
-            <a:endCxn id="16" idx="2"/>
-          </p:cNvCxnSpPr>
-          <p:nvPr/>
-        </p:nvCxnSpPr>
-        <p:spPr>
-          <a:xfrm flipV="1">
-            <a:off x="7741377" y="1224921"/>
-            <a:ext cx="0" cy="600891"/>
-          </a:xfrm>
-          <a:prstGeom prst="straightConnector1">
-            <a:avLst/>
-          </a:prstGeom>
-          <a:ln>
-            <a:tailEnd type="triangle"/>
-          </a:ln>
-        </p:spPr>
-        <p:style>
-          <a:lnRef idx="1">
-            <a:schemeClr val="dk1"/>
-          </a:lnRef>
-          <a:fillRef idx="0">
-            <a:schemeClr val="dk1"/>
-          </a:fillRef>
-          <a:effectRef idx="0">
-            <a:schemeClr val="dk1"/>
-          </a:effectRef>
-          <a:fontRef idx="minor">
-            <a:schemeClr val="tx1"/>
-          </a:fontRef>
-        </p:style>
-      </p:cxnSp>
-      <p:cxnSp>
-        <p:nvCxnSpPr>
-          <p:cNvPr id="92" name="Straight Arrow Connector 91">
-            <a:extLst>
-              <a:ext uri="{FF2B5EF4-FFF2-40B4-BE49-F238E27FC236}">
-                <a16:creationId xmlns:a16="http://schemas.microsoft.com/office/drawing/2014/main" id="{8AEA0FDC-23A7-471C-857C-5917A316CE6F}"/>
-              </a:ext>
-            </a:extLst>
-          </p:cNvPr>
-          <p:cNvCxnSpPr>
-            <a:cxnSpLocks/>
-            <a:stCxn id="7" idx="0"/>
-            <a:endCxn id="15" idx="2"/>
-          </p:cNvCxnSpPr>
-          <p:nvPr/>
-        </p:nvCxnSpPr>
-        <p:spPr>
-          <a:xfrm flipV="1">
-            <a:off x="7741377" y="1224921"/>
-            <a:ext cx="1795055" cy="600891"/>
-          </a:xfrm>
-          <a:prstGeom prst="straightConnector1">
-            <a:avLst/>
-          </a:prstGeom>
-          <a:ln>
-            <a:tailEnd type="triangle"/>
-          </a:ln>
-        </p:spPr>
-        <p:style>
-          <a:lnRef idx="1">
-            <a:schemeClr val="dk1"/>
-          </a:lnRef>
-          <a:fillRef idx="0">
-            <a:schemeClr val="dk1"/>
-          </a:fillRef>
-          <a:effectRef idx="0">
-            <a:schemeClr val="dk1"/>
-          </a:effectRef>
-          <a:fontRef idx="minor">
-            <a:schemeClr val="tx1"/>
-          </a:fontRef>
-        </p:style>
-      </p:cxnSp>
-      <p:cxnSp>
-        <p:nvCxnSpPr>
-          <p:cNvPr id="95" name="Straight Arrow Connector 94">
-            <a:extLst>
-              <a:ext uri="{FF2B5EF4-FFF2-40B4-BE49-F238E27FC236}">
-                <a16:creationId xmlns:a16="http://schemas.microsoft.com/office/drawing/2014/main" id="{384DB5D0-4B43-465F-AEF5-2C6CB1333B3C}"/>
-              </a:ext>
-            </a:extLst>
-          </p:cNvPr>
-          <p:cNvCxnSpPr>
-            <a:cxnSpLocks/>
-            <a:stCxn id="8" idx="0"/>
-            <a:endCxn id="15" idx="2"/>
-          </p:cNvCxnSpPr>
-          <p:nvPr/>
-        </p:nvCxnSpPr>
-        <p:spPr>
-          <a:xfrm flipV="1">
-            <a:off x="9426486" y="1224921"/>
-            <a:ext cx="109946" cy="607423"/>
+            <a:ext cx="2183844" cy="629171"/>
           </a:xfrm>
           <a:prstGeom prst="straightConnector1">
             <a:avLst/>
@@ -5714,8 +4787,8 @@
         </p:nvCxnSpPr>
         <p:spPr>
           <a:xfrm flipH="1">
-            <a:off x="2576105" y="4956136"/>
-            <a:ext cx="109945" cy="705806"/>
+            <a:off x="2576105" y="4984417"/>
+            <a:ext cx="2183844" cy="677525"/>
           </a:xfrm>
           <a:prstGeom prst="straightConnector1">
             <a:avLst/>
@@ -5756,9 +4829,9 @@
           <p:nvPr/>
         </p:nvCxnSpPr>
         <p:spPr>
-          <a:xfrm>
-            <a:off x="2686050" y="4956136"/>
-            <a:ext cx="1575164" cy="705808"/>
+          <a:xfrm flipH="1">
+            <a:off x="4261214" y="4984417"/>
+            <a:ext cx="498735" cy="677527"/>
           </a:xfrm>
           <a:prstGeom prst="straightConnector1">
             <a:avLst/>
@@ -5800,8 +4873,8 @@
         </p:nvCxnSpPr>
         <p:spPr>
           <a:xfrm>
-            <a:off x="2686050" y="4956136"/>
-            <a:ext cx="3370218" cy="705807"/>
+            <a:off x="4759949" y="4984417"/>
+            <a:ext cx="1296319" cy="677526"/>
           </a:xfrm>
           <a:prstGeom prst="straightConnector1">
             <a:avLst/>
@@ -5843,8 +4916,8 @@
         </p:nvCxnSpPr>
         <p:spPr>
           <a:xfrm>
-            <a:off x="2686050" y="4956136"/>
-            <a:ext cx="5055327" cy="705806"/>
+            <a:off x="4759949" y="4984417"/>
+            <a:ext cx="2981428" cy="677525"/>
           </a:xfrm>
           <a:prstGeom prst="straightConnector1">
             <a:avLst/>
@@ -5886,8 +4959,8 @@
         </p:nvCxnSpPr>
         <p:spPr>
           <a:xfrm>
-            <a:off x="2686050" y="4956136"/>
-            <a:ext cx="6850382" cy="705806"/>
+            <a:off x="4759949" y="4984417"/>
+            <a:ext cx="4776483" cy="677525"/>
           </a:xfrm>
           <a:prstGeom prst="straightConnector1">
             <a:avLst/>
@@ -5929,8 +5002,8 @@
         </p:nvCxnSpPr>
         <p:spPr>
           <a:xfrm>
-            <a:off x="4371159" y="4956136"/>
-            <a:ext cx="5165273" cy="705806"/>
+            <a:off x="6445058" y="4984417"/>
+            <a:ext cx="3091374" cy="677525"/>
           </a:xfrm>
           <a:prstGeom prst="straightConnector1">
             <a:avLst/>
@@ -5972,8 +5045,8 @@
         </p:nvCxnSpPr>
         <p:spPr>
           <a:xfrm>
-            <a:off x="4371159" y="4956136"/>
-            <a:ext cx="3370218" cy="705806"/>
+            <a:off x="6445058" y="4984417"/>
+            <a:ext cx="1296319" cy="677525"/>
           </a:xfrm>
           <a:prstGeom prst="straightConnector1">
             <a:avLst/>
@@ -6014,9 +5087,9 @@
           <p:nvPr/>
         </p:nvCxnSpPr>
         <p:spPr>
-          <a:xfrm>
-            <a:off x="4371159" y="4956136"/>
-            <a:ext cx="1685109" cy="705807"/>
+          <a:xfrm flipH="1">
+            <a:off x="6056268" y="4984417"/>
+            <a:ext cx="388790" cy="677526"/>
           </a:xfrm>
           <a:prstGeom prst="straightConnector1">
             <a:avLst/>
@@ -6058,266 +5131,8 @@
         </p:nvCxnSpPr>
         <p:spPr>
           <a:xfrm flipH="1">
-            <a:off x="4261214" y="4956136"/>
-            <a:ext cx="109945" cy="705808"/>
-          </a:xfrm>
-          <a:prstGeom prst="straightConnector1">
-            <a:avLst/>
-          </a:prstGeom>
-          <a:ln>
-            <a:tailEnd type="triangle"/>
-          </a:ln>
-        </p:spPr>
-        <p:style>
-          <a:lnRef idx="1">
-            <a:schemeClr val="dk1"/>
-          </a:lnRef>
-          <a:fillRef idx="0">
-            <a:schemeClr val="dk1"/>
-          </a:fillRef>
-          <a:effectRef idx="0">
-            <a:schemeClr val="dk1"/>
-          </a:effectRef>
-          <a:fontRef idx="minor">
-            <a:schemeClr val="tx1"/>
-          </a:fontRef>
-        </p:style>
-      </p:cxnSp>
-      <p:cxnSp>
-        <p:nvCxnSpPr>
-          <p:cNvPr id="130" name="Straight Arrow Connector 129">
-            <a:extLst>
-              <a:ext uri="{FF2B5EF4-FFF2-40B4-BE49-F238E27FC236}">
-                <a16:creationId xmlns:a16="http://schemas.microsoft.com/office/drawing/2014/main" id="{E74B9AA6-8131-40B0-81CB-11D5EC82D7C4}"/>
-              </a:ext>
-            </a:extLst>
-          </p:cNvPr>
-          <p:cNvCxnSpPr>
-            <a:cxnSpLocks/>
-            <a:stCxn id="11" idx="4"/>
-            <a:endCxn id="22" idx="0"/>
-          </p:cNvCxnSpPr>
-          <p:nvPr/>
-        </p:nvCxnSpPr>
-        <p:spPr>
-          <a:xfrm>
-            <a:off x="6056268" y="4962667"/>
-            <a:ext cx="0" cy="699276"/>
-          </a:xfrm>
-          <a:prstGeom prst="straightConnector1">
-            <a:avLst/>
-          </a:prstGeom>
-          <a:ln>
-            <a:tailEnd type="triangle"/>
-          </a:ln>
-        </p:spPr>
-        <p:style>
-          <a:lnRef idx="1">
-            <a:schemeClr val="dk1"/>
-          </a:lnRef>
-          <a:fillRef idx="0">
-            <a:schemeClr val="dk1"/>
-          </a:fillRef>
-          <a:effectRef idx="0">
-            <a:schemeClr val="dk1"/>
-          </a:effectRef>
-          <a:fontRef idx="minor">
-            <a:schemeClr val="tx1"/>
-          </a:fontRef>
-        </p:style>
-      </p:cxnSp>
-      <p:cxnSp>
-        <p:nvCxnSpPr>
-          <p:cNvPr id="133" name="Straight Arrow Connector 132">
-            <a:extLst>
-              <a:ext uri="{FF2B5EF4-FFF2-40B4-BE49-F238E27FC236}">
-                <a16:creationId xmlns:a16="http://schemas.microsoft.com/office/drawing/2014/main" id="{6985A730-068E-487C-B283-963E5DAC9D2B}"/>
-              </a:ext>
-            </a:extLst>
-          </p:cNvPr>
-          <p:cNvCxnSpPr>
-            <a:cxnSpLocks/>
-            <a:stCxn id="11" idx="4"/>
-            <a:endCxn id="21" idx="0"/>
-          </p:cNvCxnSpPr>
-          <p:nvPr/>
-        </p:nvCxnSpPr>
-        <p:spPr>
-          <a:xfrm>
-            <a:off x="6056268" y="4962667"/>
-            <a:ext cx="1685109" cy="699275"/>
-          </a:xfrm>
-          <a:prstGeom prst="straightConnector1">
-            <a:avLst/>
-          </a:prstGeom>
-          <a:ln>
-            <a:tailEnd type="triangle"/>
-          </a:ln>
-        </p:spPr>
-        <p:style>
-          <a:lnRef idx="1">
-            <a:schemeClr val="dk1"/>
-          </a:lnRef>
-          <a:fillRef idx="0">
-            <a:schemeClr val="dk1"/>
-          </a:fillRef>
-          <a:effectRef idx="0">
-            <a:schemeClr val="dk1"/>
-          </a:effectRef>
-          <a:fontRef idx="minor">
-            <a:schemeClr val="tx1"/>
-          </a:fontRef>
-        </p:style>
-      </p:cxnSp>
-      <p:cxnSp>
-        <p:nvCxnSpPr>
-          <p:cNvPr id="136" name="Straight Arrow Connector 135">
-            <a:extLst>
-              <a:ext uri="{FF2B5EF4-FFF2-40B4-BE49-F238E27FC236}">
-                <a16:creationId xmlns:a16="http://schemas.microsoft.com/office/drawing/2014/main" id="{142BC17B-B765-4CDA-B37B-6EBB2E5D70B1}"/>
-              </a:ext>
-            </a:extLst>
-          </p:cNvPr>
-          <p:cNvCxnSpPr>
-            <a:cxnSpLocks/>
-            <a:stCxn id="11" idx="4"/>
-            <a:endCxn id="20" idx="0"/>
-          </p:cNvCxnSpPr>
-          <p:nvPr/>
-        </p:nvCxnSpPr>
-        <p:spPr>
-          <a:xfrm>
-            <a:off x="6056268" y="4962667"/>
-            <a:ext cx="3480164" cy="699275"/>
-          </a:xfrm>
-          <a:prstGeom prst="straightConnector1">
-            <a:avLst/>
-          </a:prstGeom>
-          <a:ln>
-            <a:tailEnd type="triangle"/>
-          </a:ln>
-        </p:spPr>
-        <p:style>
-          <a:lnRef idx="1">
-            <a:schemeClr val="dk1"/>
-          </a:lnRef>
-          <a:fillRef idx="0">
-            <a:schemeClr val="dk1"/>
-          </a:fillRef>
-          <a:effectRef idx="0">
-            <a:schemeClr val="dk1"/>
-          </a:effectRef>
-          <a:fontRef idx="minor">
-            <a:schemeClr val="tx1"/>
-          </a:fontRef>
-        </p:style>
-      </p:cxnSp>
-      <p:cxnSp>
-        <p:nvCxnSpPr>
-          <p:cNvPr id="139" name="Straight Arrow Connector 138">
-            <a:extLst>
-              <a:ext uri="{FF2B5EF4-FFF2-40B4-BE49-F238E27FC236}">
-                <a16:creationId xmlns:a16="http://schemas.microsoft.com/office/drawing/2014/main" id="{53672CBE-860C-45E8-A694-231C2B82CDAE}"/>
-              </a:ext>
-            </a:extLst>
-          </p:cNvPr>
-          <p:cNvCxnSpPr>
-            <a:cxnSpLocks/>
-            <a:stCxn id="12" idx="4"/>
-            <a:endCxn id="21" idx="0"/>
-          </p:cNvCxnSpPr>
-          <p:nvPr/>
-        </p:nvCxnSpPr>
-        <p:spPr>
-          <a:xfrm>
-            <a:off x="7741377" y="4956135"/>
-            <a:ext cx="0" cy="705807"/>
-          </a:xfrm>
-          <a:prstGeom prst="straightConnector1">
-            <a:avLst/>
-          </a:prstGeom>
-          <a:ln>
-            <a:tailEnd type="triangle"/>
-          </a:ln>
-        </p:spPr>
-        <p:style>
-          <a:lnRef idx="1">
-            <a:schemeClr val="dk1"/>
-          </a:lnRef>
-          <a:fillRef idx="0">
-            <a:schemeClr val="dk1"/>
-          </a:fillRef>
-          <a:effectRef idx="0">
-            <a:schemeClr val="dk1"/>
-          </a:effectRef>
-          <a:fontRef idx="minor">
-            <a:schemeClr val="tx1"/>
-          </a:fontRef>
-        </p:style>
-      </p:cxnSp>
-      <p:cxnSp>
-        <p:nvCxnSpPr>
-          <p:cNvPr id="142" name="Straight Arrow Connector 141">
-            <a:extLst>
-              <a:ext uri="{FF2B5EF4-FFF2-40B4-BE49-F238E27FC236}">
-                <a16:creationId xmlns:a16="http://schemas.microsoft.com/office/drawing/2014/main" id="{28D43307-58E3-4683-B4F5-0C0FB6E6B97B}"/>
-              </a:ext>
-            </a:extLst>
-          </p:cNvPr>
-          <p:cNvCxnSpPr>
-            <a:cxnSpLocks/>
-            <a:stCxn id="12" idx="4"/>
-            <a:endCxn id="20" idx="0"/>
-          </p:cNvCxnSpPr>
-          <p:nvPr/>
-        </p:nvCxnSpPr>
-        <p:spPr>
-          <a:xfrm>
-            <a:off x="7741377" y="4956135"/>
-            <a:ext cx="1795055" cy="705807"/>
-          </a:xfrm>
-          <a:prstGeom prst="straightConnector1">
-            <a:avLst/>
-          </a:prstGeom>
-          <a:ln>
-            <a:tailEnd type="triangle"/>
-          </a:ln>
-        </p:spPr>
-        <p:style>
-          <a:lnRef idx="1">
-            <a:schemeClr val="dk1"/>
-          </a:lnRef>
-          <a:fillRef idx="0">
-            <a:schemeClr val="dk1"/>
-          </a:fillRef>
-          <a:effectRef idx="0">
-            <a:schemeClr val="dk1"/>
-          </a:effectRef>
-          <a:fontRef idx="minor">
-            <a:schemeClr val="tx1"/>
-          </a:fontRef>
-        </p:style>
-      </p:cxnSp>
-      <p:cxnSp>
-        <p:nvCxnSpPr>
-          <p:cNvPr id="145" name="Straight Arrow Connector 144">
-            <a:extLst>
-              <a:ext uri="{FF2B5EF4-FFF2-40B4-BE49-F238E27FC236}">
-                <a16:creationId xmlns:a16="http://schemas.microsoft.com/office/drawing/2014/main" id="{74E02E05-CE3F-43ED-9383-7AA479B28BC5}"/>
-              </a:ext>
-            </a:extLst>
-          </p:cNvPr>
-          <p:cNvCxnSpPr>
-            <a:cxnSpLocks/>
-            <a:stCxn id="13" idx="4"/>
-            <a:endCxn id="20" idx="0"/>
-          </p:cNvCxnSpPr>
-          <p:nvPr/>
-        </p:nvCxnSpPr>
-        <p:spPr>
-          <a:xfrm>
-            <a:off x="9426486" y="4962667"/>
-            <a:ext cx="109946" cy="699275"/>
+            <a:off x="4261214" y="4984417"/>
+            <a:ext cx="2183844" cy="677527"/>
           </a:xfrm>
           <a:prstGeom prst="straightConnector1">
             <a:avLst/>

--- a/figures/Growth trajectory model.pptx
+++ b/figures/Growth trajectory model.pptx
@@ -259,7 +259,7 @@
           <a:p>
             <a:fld id="{895910CF-DEB1-4315-9A52-E631F6DFE9E5}" type="datetimeFigureOut">
               <a:rPr lang="en-US" smtClean="0"/>
-              <a:t>6/16/2020</a:t>
+              <a:t>7/1/2020</a:t>
             </a:fld>
             <a:endParaRPr lang="en-US"/>
           </a:p>
@@ -457,7 +457,7 @@
           <a:p>
             <a:fld id="{895910CF-DEB1-4315-9A52-E631F6DFE9E5}" type="datetimeFigureOut">
               <a:rPr lang="en-US" smtClean="0"/>
-              <a:t>6/16/2020</a:t>
+              <a:t>7/1/2020</a:t>
             </a:fld>
             <a:endParaRPr lang="en-US"/>
           </a:p>
@@ -665,7 +665,7 @@
           <a:p>
             <a:fld id="{895910CF-DEB1-4315-9A52-E631F6DFE9E5}" type="datetimeFigureOut">
               <a:rPr lang="en-US" smtClean="0"/>
-              <a:t>6/16/2020</a:t>
+              <a:t>7/1/2020</a:t>
             </a:fld>
             <a:endParaRPr lang="en-US"/>
           </a:p>
@@ -863,7 +863,7 @@
           <a:p>
             <a:fld id="{895910CF-DEB1-4315-9A52-E631F6DFE9E5}" type="datetimeFigureOut">
               <a:rPr lang="en-US" smtClean="0"/>
-              <a:t>6/16/2020</a:t>
+              <a:t>7/1/2020</a:t>
             </a:fld>
             <a:endParaRPr lang="en-US"/>
           </a:p>
@@ -1138,7 +1138,7 @@
           <a:p>
             <a:fld id="{895910CF-DEB1-4315-9A52-E631F6DFE9E5}" type="datetimeFigureOut">
               <a:rPr lang="en-US" smtClean="0"/>
-              <a:t>6/16/2020</a:t>
+              <a:t>7/1/2020</a:t>
             </a:fld>
             <a:endParaRPr lang="en-US"/>
           </a:p>
@@ -1403,7 +1403,7 @@
           <a:p>
             <a:fld id="{895910CF-DEB1-4315-9A52-E631F6DFE9E5}" type="datetimeFigureOut">
               <a:rPr lang="en-US" smtClean="0"/>
-              <a:t>6/16/2020</a:t>
+              <a:t>7/1/2020</a:t>
             </a:fld>
             <a:endParaRPr lang="en-US"/>
           </a:p>
@@ -1815,7 +1815,7 @@
           <a:p>
             <a:fld id="{895910CF-DEB1-4315-9A52-E631F6DFE9E5}" type="datetimeFigureOut">
               <a:rPr lang="en-US" smtClean="0"/>
-              <a:t>6/16/2020</a:t>
+              <a:t>7/1/2020</a:t>
             </a:fld>
             <a:endParaRPr lang="en-US"/>
           </a:p>
@@ -1956,7 +1956,7 @@
           <a:p>
             <a:fld id="{895910CF-DEB1-4315-9A52-E631F6DFE9E5}" type="datetimeFigureOut">
               <a:rPr lang="en-US" smtClean="0"/>
-              <a:t>6/16/2020</a:t>
+              <a:t>7/1/2020</a:t>
             </a:fld>
             <a:endParaRPr lang="en-US"/>
           </a:p>
@@ -2069,7 +2069,7 @@
           <a:p>
             <a:fld id="{895910CF-DEB1-4315-9A52-E631F6DFE9E5}" type="datetimeFigureOut">
               <a:rPr lang="en-US" smtClean="0"/>
-              <a:t>6/16/2020</a:t>
+              <a:t>7/1/2020</a:t>
             </a:fld>
             <a:endParaRPr lang="en-US"/>
           </a:p>
@@ -2380,7 +2380,7 @@
           <a:p>
             <a:fld id="{895910CF-DEB1-4315-9A52-E631F6DFE9E5}" type="datetimeFigureOut">
               <a:rPr lang="en-US" smtClean="0"/>
-              <a:t>6/16/2020</a:t>
+              <a:t>7/1/2020</a:t>
             </a:fld>
             <a:endParaRPr lang="en-US"/>
           </a:p>
@@ -2668,7 +2668,7 @@
           <a:p>
             <a:fld id="{895910CF-DEB1-4315-9A52-E631F6DFE9E5}" type="datetimeFigureOut">
               <a:rPr lang="en-US" smtClean="0"/>
-              <a:t>6/16/2020</a:t>
+              <a:t>7/1/2020</a:t>
             </a:fld>
             <a:endParaRPr lang="en-US"/>
           </a:p>
@@ -2909,7 +2909,7 @@
           <a:p>
             <a:fld id="{895910CF-DEB1-4315-9A52-E631F6DFE9E5}" type="datetimeFigureOut">
               <a:rPr lang="en-US" smtClean="0"/>
-              <a:t>6/16/2020</a:t>
+              <a:t>7/1/2020</a:t>
             </a:fld>
             <a:endParaRPr lang="en-US"/>
           </a:p>
@@ -4059,90 +4059,6 @@
       </p:cxnSp>
       <p:cxnSp>
         <p:nvCxnSpPr>
-          <p:cNvPr id="33" name="Straight Arrow Connector 32">
-            <a:extLst>
-              <a:ext uri="{FF2B5EF4-FFF2-40B4-BE49-F238E27FC236}">
-                <a16:creationId xmlns:a16="http://schemas.microsoft.com/office/drawing/2014/main" id="{4E339E9F-F58E-4DBB-8AA9-0E9D385F920D}"/>
-              </a:ext>
-            </a:extLst>
-          </p:cNvPr>
-          <p:cNvCxnSpPr>
-            <a:stCxn id="9" idx="7"/>
-            <a:endCxn id="5" idx="3"/>
-          </p:cNvCxnSpPr>
-          <p:nvPr/>
-        </p:nvCxnSpPr>
-        <p:spPr>
-          <a:xfrm flipV="1">
-            <a:off x="5177531" y="2805315"/>
-            <a:ext cx="849945" cy="1227881"/>
-          </a:xfrm>
-          <a:prstGeom prst="straightConnector1">
-            <a:avLst/>
-          </a:prstGeom>
-          <a:ln>
-            <a:tailEnd type="triangle"/>
-          </a:ln>
-        </p:spPr>
-        <p:style>
-          <a:lnRef idx="1">
-            <a:schemeClr val="dk1"/>
-          </a:lnRef>
-          <a:fillRef idx="0">
-            <a:schemeClr val="dk1"/>
-          </a:fillRef>
-          <a:effectRef idx="0">
-            <a:schemeClr val="dk1"/>
-          </a:effectRef>
-          <a:fontRef idx="minor">
-            <a:schemeClr val="tx1"/>
-          </a:fontRef>
-        </p:style>
-      </p:cxnSp>
-      <p:cxnSp>
-        <p:nvCxnSpPr>
-          <p:cNvPr id="35" name="Straight Arrow Connector 34">
-            <a:extLst>
-              <a:ext uri="{FF2B5EF4-FFF2-40B4-BE49-F238E27FC236}">
-                <a16:creationId xmlns:a16="http://schemas.microsoft.com/office/drawing/2014/main" id="{58AC7C3D-AA09-49E3-B5F1-FC8FEE6A26D3}"/>
-              </a:ext>
-            </a:extLst>
-          </p:cNvPr>
-          <p:cNvCxnSpPr>
-            <a:stCxn id="4" idx="5"/>
-            <a:endCxn id="10" idx="1"/>
-          </p:cNvCxnSpPr>
-          <p:nvPr/>
-        </p:nvCxnSpPr>
-        <p:spPr>
-          <a:xfrm>
-            <a:off x="5177531" y="2805315"/>
-            <a:ext cx="849945" cy="1227881"/>
-          </a:xfrm>
-          <a:prstGeom prst="straightConnector1">
-            <a:avLst/>
-          </a:prstGeom>
-          <a:ln>
-            <a:tailEnd type="triangle"/>
-          </a:ln>
-        </p:spPr>
-        <p:style>
-          <a:lnRef idx="1">
-            <a:schemeClr val="dk1"/>
-          </a:lnRef>
-          <a:fillRef idx="0">
-            <a:schemeClr val="dk1"/>
-          </a:fillRef>
-          <a:effectRef idx="0">
-            <a:schemeClr val="dk1"/>
-          </a:effectRef>
-          <a:fontRef idx="minor">
-            <a:schemeClr val="tx1"/>
-          </a:fontRef>
-        </p:style>
-      </p:cxnSp>
-      <p:cxnSp>
-        <p:nvCxnSpPr>
           <p:cNvPr id="36" name="Connector: Curved 35">
             <a:extLst>
               <a:ext uri="{FF2B5EF4-FFF2-40B4-BE49-F238E27FC236}">
@@ -4596,6 +4512,9 @@
             <a:avLst/>
           </a:prstGeom>
           <a:ln>
+            <a:solidFill>
+              <a:schemeClr val="tx1"/>
+            </a:solidFill>
             <a:tailEnd type="triangle"/>
           </a:ln>
         </p:spPr>
@@ -4635,6 +4554,9 @@
             <a:avLst/>
           </a:prstGeom>
           <a:ln>
+            <a:solidFill>
+              <a:schemeClr val="tx1"/>
+            </a:solidFill>
             <a:tailEnd type="triangle"/>
           </a:ln>
         </p:spPr>
@@ -4674,6 +4596,9 @@
             <a:avLst/>
           </a:prstGeom>
           <a:ln>
+            <a:solidFill>
+              <a:schemeClr val="tx1"/>
+            </a:solidFill>
             <a:tailEnd type="triangle"/>
           </a:ln>
         </p:spPr>
@@ -4713,6 +4638,9 @@
             <a:avLst/>
           </a:prstGeom>
           <a:ln>
+            <a:solidFill>
+              <a:schemeClr val="tx1"/>
+            </a:solidFill>
             <a:tailEnd type="triangle"/>
           </a:ln>
         </p:spPr>
@@ -4752,6 +4680,9 @@
             <a:avLst/>
           </a:prstGeom>
           <a:ln>
+            <a:solidFill>
+              <a:schemeClr val="tx1"/>
+            </a:solidFill>
             <a:tailEnd type="triangle"/>
           </a:ln>
         </p:spPr>
@@ -5179,6 +5110,9 @@
             <a:avLst/>
           </a:prstGeom>
           <a:ln>
+            <a:solidFill>
+              <a:schemeClr val="tx1"/>
+            </a:solidFill>
             <a:tailEnd type="triangle"/>
           </a:ln>
         </p:spPr>
@@ -5218,6 +5152,9 @@
             <a:avLst/>
           </a:prstGeom>
           <a:ln>
+            <a:solidFill>
+              <a:schemeClr val="tx1"/>
+            </a:solidFill>
             <a:tailEnd type="triangle"/>
           </a:ln>
         </p:spPr>
@@ -5257,6 +5194,9 @@
             <a:avLst/>
           </a:prstGeom>
           <a:ln>
+            <a:solidFill>
+              <a:schemeClr val="tx1"/>
+            </a:solidFill>
             <a:tailEnd type="triangle"/>
           </a:ln>
         </p:spPr>
@@ -5296,6 +5236,9 @@
             <a:avLst/>
           </a:prstGeom>
           <a:ln>
+            <a:solidFill>
+              <a:schemeClr val="tx1"/>
+            </a:solidFill>
             <a:tailEnd type="triangle"/>
           </a:ln>
         </p:spPr>
@@ -5335,6 +5278,9 @@
             <a:avLst/>
           </a:prstGeom>
           <a:ln>
+            <a:solidFill>
+              <a:schemeClr val="tx1"/>
+            </a:solidFill>
             <a:tailEnd type="triangle"/>
           </a:ln>
         </p:spPr>
@@ -5347,6 +5293,979 @@
           </a:fillRef>
           <a:effectRef idx="0">
             <a:schemeClr val="accent1"/>
+          </a:effectRef>
+          <a:fontRef idx="minor">
+            <a:schemeClr val="tx1"/>
+          </a:fontRef>
+        </p:style>
+      </p:cxnSp>
+      <p:sp>
+        <p:nvSpPr>
+          <p:cNvPr id="2" name="TextBox 1">
+            <a:extLst>
+              <a:ext uri="{FF2B5EF4-FFF2-40B4-BE49-F238E27FC236}">
+                <a16:creationId xmlns:a16="http://schemas.microsoft.com/office/drawing/2014/main" id="{E240A6FC-FA7C-4B59-B839-3C385B17FD69}"/>
+              </a:ext>
+            </a:extLst>
+          </p:cNvPr>
+          <p:cNvSpPr txBox="1"/>
+          <p:nvPr/>
+        </p:nvSpPr>
+        <p:spPr>
+          <a:xfrm>
+            <a:off x="3441978" y="1484762"/>
+            <a:ext cx="226049" cy="369332"/>
+          </a:xfrm>
+          <a:prstGeom prst="rect">
+            <a:avLst/>
+          </a:prstGeom>
+          <a:noFill/>
+        </p:spPr>
+        <p:txBody>
+          <a:bodyPr wrap="square" rtlCol="0">
+            <a:spAutoFit/>
+          </a:bodyPr>
+          <a:lstStyle/>
+          <a:p>
+            <a:r>
+              <a:rPr lang="en-US" dirty="0"/>
+              <a:t>1</a:t>
+            </a:r>
+          </a:p>
+        </p:txBody>
+      </p:sp>
+      <p:sp>
+        <p:nvSpPr>
+          <p:cNvPr id="49" name="TextBox 48">
+            <a:extLst>
+              <a:ext uri="{FF2B5EF4-FFF2-40B4-BE49-F238E27FC236}">
+                <a16:creationId xmlns:a16="http://schemas.microsoft.com/office/drawing/2014/main" id="{20486C01-241F-47D6-B7D7-3CEC561008FC}"/>
+              </a:ext>
+            </a:extLst>
+          </p:cNvPr>
+          <p:cNvSpPr txBox="1"/>
+          <p:nvPr/>
+        </p:nvSpPr>
+        <p:spPr>
+          <a:xfrm>
+            <a:off x="8276512" y="1406243"/>
+            <a:ext cx="226049" cy="369332"/>
+          </a:xfrm>
+          <a:prstGeom prst="rect">
+            <a:avLst/>
+          </a:prstGeom>
+          <a:noFill/>
+        </p:spPr>
+        <p:txBody>
+          <a:bodyPr wrap="square" rtlCol="0">
+            <a:spAutoFit/>
+          </a:bodyPr>
+          <a:lstStyle/>
+          <a:p>
+            <a:r>
+              <a:rPr lang="en-US" dirty="0"/>
+              <a:t>1</a:t>
+            </a:r>
+          </a:p>
+        </p:txBody>
+      </p:sp>
+      <p:sp>
+        <p:nvSpPr>
+          <p:cNvPr id="50" name="TextBox 49">
+            <a:extLst>
+              <a:ext uri="{FF2B5EF4-FFF2-40B4-BE49-F238E27FC236}">
+                <a16:creationId xmlns:a16="http://schemas.microsoft.com/office/drawing/2014/main" id="{625F74A2-C5A8-44BD-9896-874CDA5B004B}"/>
+              </a:ext>
+            </a:extLst>
+          </p:cNvPr>
+          <p:cNvSpPr txBox="1"/>
+          <p:nvPr/>
+        </p:nvSpPr>
+        <p:spPr>
+          <a:xfrm>
+            <a:off x="8276512" y="1077608"/>
+            <a:ext cx="226049" cy="369332"/>
+          </a:xfrm>
+          <a:prstGeom prst="rect">
+            <a:avLst/>
+          </a:prstGeom>
+          <a:noFill/>
+        </p:spPr>
+        <p:txBody>
+          <a:bodyPr wrap="square" rtlCol="0">
+            <a:spAutoFit/>
+          </a:bodyPr>
+          <a:lstStyle/>
+          <a:p>
+            <a:r>
+              <a:rPr lang="en-US" dirty="0"/>
+              <a:t>1</a:t>
+            </a:r>
+          </a:p>
+        </p:txBody>
+      </p:sp>
+      <p:sp>
+        <p:nvSpPr>
+          <p:cNvPr id="51" name="TextBox 50">
+            <a:extLst>
+              <a:ext uri="{FF2B5EF4-FFF2-40B4-BE49-F238E27FC236}">
+                <a16:creationId xmlns:a16="http://schemas.microsoft.com/office/drawing/2014/main" id="{7664453C-BA9F-41EC-BE3D-A69AD693C83B}"/>
+              </a:ext>
+            </a:extLst>
+          </p:cNvPr>
+          <p:cNvSpPr txBox="1"/>
+          <p:nvPr/>
+        </p:nvSpPr>
+        <p:spPr>
+          <a:xfrm>
+            <a:off x="3463630" y="5003906"/>
+            <a:ext cx="226049" cy="369332"/>
+          </a:xfrm>
+          <a:prstGeom prst="rect">
+            <a:avLst/>
+          </a:prstGeom>
+          <a:noFill/>
+        </p:spPr>
+        <p:txBody>
+          <a:bodyPr wrap="square" rtlCol="0">
+            <a:spAutoFit/>
+          </a:bodyPr>
+          <a:lstStyle/>
+          <a:p>
+            <a:r>
+              <a:rPr lang="en-US" dirty="0"/>
+              <a:t>1</a:t>
+            </a:r>
+          </a:p>
+        </p:txBody>
+      </p:sp>
+      <p:sp>
+        <p:nvSpPr>
+          <p:cNvPr id="56" name="TextBox 55">
+            <a:extLst>
+              <a:ext uri="{FF2B5EF4-FFF2-40B4-BE49-F238E27FC236}">
+                <a16:creationId xmlns:a16="http://schemas.microsoft.com/office/drawing/2014/main" id="{2A3D8D4C-366E-41EB-879B-0BC10F175C93}"/>
+              </a:ext>
+            </a:extLst>
+          </p:cNvPr>
+          <p:cNvSpPr txBox="1"/>
+          <p:nvPr/>
+        </p:nvSpPr>
+        <p:spPr>
+          <a:xfrm>
+            <a:off x="8502561" y="5109185"/>
+            <a:ext cx="226049" cy="369332"/>
+          </a:xfrm>
+          <a:prstGeom prst="rect">
+            <a:avLst/>
+          </a:prstGeom>
+          <a:noFill/>
+        </p:spPr>
+        <p:txBody>
+          <a:bodyPr wrap="square" rtlCol="0">
+            <a:spAutoFit/>
+          </a:bodyPr>
+          <a:lstStyle/>
+          <a:p>
+            <a:r>
+              <a:rPr lang="en-US" dirty="0"/>
+              <a:t>1</a:t>
+            </a:r>
+          </a:p>
+        </p:txBody>
+      </p:sp>
+      <p:sp>
+        <p:nvSpPr>
+          <p:cNvPr id="58" name="TextBox 57">
+            <a:extLst>
+              <a:ext uri="{FF2B5EF4-FFF2-40B4-BE49-F238E27FC236}">
+                <a16:creationId xmlns:a16="http://schemas.microsoft.com/office/drawing/2014/main" id="{F5D7ADDF-ECDC-446B-8936-5C1D3A247F1D}"/>
+              </a:ext>
+            </a:extLst>
+          </p:cNvPr>
+          <p:cNvSpPr txBox="1"/>
+          <p:nvPr/>
+        </p:nvSpPr>
+        <p:spPr>
+          <a:xfrm>
+            <a:off x="8483852" y="5477276"/>
+            <a:ext cx="226049" cy="369332"/>
+          </a:xfrm>
+          <a:prstGeom prst="rect">
+            <a:avLst/>
+          </a:prstGeom>
+          <a:noFill/>
+        </p:spPr>
+        <p:txBody>
+          <a:bodyPr wrap="square" rtlCol="0">
+            <a:spAutoFit/>
+          </a:bodyPr>
+          <a:lstStyle/>
+          <a:p>
+            <a:r>
+              <a:rPr lang="en-US" dirty="0"/>
+              <a:t>1</a:t>
+            </a:r>
+          </a:p>
+        </p:txBody>
+      </p:sp>
+      <p:sp>
+        <p:nvSpPr>
+          <p:cNvPr id="55" name="TextBox 54">
+            <a:extLst>
+              <a:ext uri="{FF2B5EF4-FFF2-40B4-BE49-F238E27FC236}">
+                <a16:creationId xmlns:a16="http://schemas.microsoft.com/office/drawing/2014/main" id="{CC615635-B78D-48A6-8B4D-F17E21AD8CA2}"/>
+              </a:ext>
+            </a:extLst>
+          </p:cNvPr>
+          <p:cNvSpPr txBox="1"/>
+          <p:nvPr/>
+        </p:nvSpPr>
+        <p:spPr>
+          <a:xfrm>
+            <a:off x="4177733" y="1218000"/>
+            <a:ext cx="226049" cy="369332"/>
+          </a:xfrm>
+          <a:prstGeom prst="rect">
+            <a:avLst/>
+          </a:prstGeom>
+          <a:noFill/>
+        </p:spPr>
+        <p:txBody>
+          <a:bodyPr wrap="square" rtlCol="0">
+            <a:spAutoFit/>
+          </a:bodyPr>
+          <a:lstStyle/>
+          <a:p>
+            <a:r>
+              <a:rPr lang="en-US" dirty="0"/>
+              <a:t>1</a:t>
+            </a:r>
+          </a:p>
+        </p:txBody>
+      </p:sp>
+      <p:sp>
+        <p:nvSpPr>
+          <p:cNvPr id="59" name="TextBox 58">
+            <a:extLst>
+              <a:ext uri="{FF2B5EF4-FFF2-40B4-BE49-F238E27FC236}">
+                <a16:creationId xmlns:a16="http://schemas.microsoft.com/office/drawing/2014/main" id="{B206EE45-688C-4E3B-BB80-FE683D90A940}"/>
+              </a:ext>
+            </a:extLst>
+          </p:cNvPr>
+          <p:cNvSpPr txBox="1"/>
+          <p:nvPr/>
+        </p:nvSpPr>
+        <p:spPr>
+          <a:xfrm>
+            <a:off x="5353390" y="1151029"/>
+            <a:ext cx="226049" cy="369332"/>
+          </a:xfrm>
+          <a:prstGeom prst="rect">
+            <a:avLst/>
+          </a:prstGeom>
+          <a:noFill/>
+        </p:spPr>
+        <p:txBody>
+          <a:bodyPr wrap="square" rtlCol="0">
+            <a:spAutoFit/>
+          </a:bodyPr>
+          <a:lstStyle/>
+          <a:p>
+            <a:r>
+              <a:rPr lang="en-US" dirty="0"/>
+              <a:t>1</a:t>
+            </a:r>
+          </a:p>
+        </p:txBody>
+      </p:sp>
+      <p:sp>
+        <p:nvSpPr>
+          <p:cNvPr id="61" name="TextBox 60">
+            <a:extLst>
+              <a:ext uri="{FF2B5EF4-FFF2-40B4-BE49-F238E27FC236}">
+                <a16:creationId xmlns:a16="http://schemas.microsoft.com/office/drawing/2014/main" id="{54F5262B-5946-431B-99BD-59879023639F}"/>
+              </a:ext>
+            </a:extLst>
+          </p:cNvPr>
+          <p:cNvSpPr txBox="1"/>
+          <p:nvPr/>
+        </p:nvSpPr>
+        <p:spPr>
+          <a:xfrm>
+            <a:off x="6777088" y="1077608"/>
+            <a:ext cx="226049" cy="369332"/>
+          </a:xfrm>
+          <a:prstGeom prst="rect">
+            <a:avLst/>
+          </a:prstGeom>
+          <a:noFill/>
+        </p:spPr>
+        <p:txBody>
+          <a:bodyPr wrap="square" rtlCol="0">
+            <a:spAutoFit/>
+          </a:bodyPr>
+          <a:lstStyle/>
+          <a:p>
+            <a:r>
+              <a:rPr lang="en-US" dirty="0"/>
+              <a:t>1</a:t>
+            </a:r>
+          </a:p>
+        </p:txBody>
+      </p:sp>
+      <p:sp>
+        <p:nvSpPr>
+          <p:cNvPr id="62" name="TextBox 61">
+            <a:extLst>
+              <a:ext uri="{FF2B5EF4-FFF2-40B4-BE49-F238E27FC236}">
+                <a16:creationId xmlns:a16="http://schemas.microsoft.com/office/drawing/2014/main" id="{A3DACA7E-4ABC-49C4-BE55-7A243404A7AC}"/>
+              </a:ext>
+            </a:extLst>
+          </p:cNvPr>
+          <p:cNvSpPr txBox="1"/>
+          <p:nvPr/>
+        </p:nvSpPr>
+        <p:spPr>
+          <a:xfrm>
+            <a:off x="4874640" y="1166481"/>
+            <a:ext cx="226049" cy="369332"/>
+          </a:xfrm>
+          <a:prstGeom prst="rect">
+            <a:avLst/>
+          </a:prstGeom>
+          <a:noFill/>
+        </p:spPr>
+        <p:txBody>
+          <a:bodyPr wrap="square" rtlCol="0">
+            <a:spAutoFit/>
+          </a:bodyPr>
+          <a:lstStyle/>
+          <a:p>
+            <a:r>
+              <a:rPr lang="en-US" dirty="0"/>
+              <a:t>*</a:t>
+            </a:r>
+          </a:p>
+        </p:txBody>
+      </p:sp>
+      <p:sp>
+        <p:nvSpPr>
+          <p:cNvPr id="64" name="TextBox 63">
+            <a:extLst>
+              <a:ext uri="{FF2B5EF4-FFF2-40B4-BE49-F238E27FC236}">
+                <a16:creationId xmlns:a16="http://schemas.microsoft.com/office/drawing/2014/main" id="{B45E9ECD-4F79-481E-BBCA-16C05D0EF483}"/>
+              </a:ext>
+            </a:extLst>
+          </p:cNvPr>
+          <p:cNvSpPr txBox="1"/>
+          <p:nvPr/>
+        </p:nvSpPr>
+        <p:spPr>
+          <a:xfrm>
+            <a:off x="6113876" y="1206156"/>
+            <a:ext cx="226049" cy="369332"/>
+          </a:xfrm>
+          <a:prstGeom prst="rect">
+            <a:avLst/>
+          </a:prstGeom>
+          <a:noFill/>
+        </p:spPr>
+        <p:txBody>
+          <a:bodyPr wrap="square" rtlCol="0">
+            <a:spAutoFit/>
+          </a:bodyPr>
+          <a:lstStyle/>
+          <a:p>
+            <a:r>
+              <a:rPr lang="en-US" dirty="0"/>
+              <a:t>*</a:t>
+            </a:r>
+          </a:p>
+        </p:txBody>
+      </p:sp>
+      <p:sp>
+        <p:nvSpPr>
+          <p:cNvPr id="65" name="TextBox 64">
+            <a:extLst>
+              <a:ext uri="{FF2B5EF4-FFF2-40B4-BE49-F238E27FC236}">
+                <a16:creationId xmlns:a16="http://schemas.microsoft.com/office/drawing/2014/main" id="{84646A25-E53B-405C-9A42-9437E0378E4F}"/>
+              </a:ext>
+            </a:extLst>
+          </p:cNvPr>
+          <p:cNvSpPr txBox="1"/>
+          <p:nvPr/>
+        </p:nvSpPr>
+        <p:spPr>
+          <a:xfrm>
+            <a:off x="7033183" y="1262743"/>
+            <a:ext cx="226049" cy="369332"/>
+          </a:xfrm>
+          <a:prstGeom prst="rect">
+            <a:avLst/>
+          </a:prstGeom>
+          <a:noFill/>
+        </p:spPr>
+        <p:txBody>
+          <a:bodyPr wrap="square" rtlCol="0">
+            <a:spAutoFit/>
+          </a:bodyPr>
+          <a:lstStyle/>
+          <a:p>
+            <a:r>
+              <a:rPr lang="en-US" dirty="0"/>
+              <a:t>*</a:t>
+            </a:r>
+          </a:p>
+        </p:txBody>
+      </p:sp>
+      <p:sp>
+        <p:nvSpPr>
+          <p:cNvPr id="67" name="TextBox 66">
+            <a:extLst>
+              <a:ext uri="{FF2B5EF4-FFF2-40B4-BE49-F238E27FC236}">
+                <a16:creationId xmlns:a16="http://schemas.microsoft.com/office/drawing/2014/main" id="{D47A4FAE-B7E0-462C-9273-179421C040AE}"/>
+              </a:ext>
+            </a:extLst>
+          </p:cNvPr>
+          <p:cNvSpPr txBox="1"/>
+          <p:nvPr/>
+        </p:nvSpPr>
+        <p:spPr>
+          <a:xfrm>
+            <a:off x="4832341" y="5356963"/>
+            <a:ext cx="226049" cy="369332"/>
+          </a:xfrm>
+          <a:prstGeom prst="rect">
+            <a:avLst/>
+          </a:prstGeom>
+          <a:noFill/>
+        </p:spPr>
+        <p:txBody>
+          <a:bodyPr wrap="square" rtlCol="0">
+            <a:spAutoFit/>
+          </a:bodyPr>
+          <a:lstStyle/>
+          <a:p>
+            <a:r>
+              <a:rPr lang="en-US" dirty="0"/>
+              <a:t>*</a:t>
+            </a:r>
+          </a:p>
+        </p:txBody>
+      </p:sp>
+      <p:sp>
+        <p:nvSpPr>
+          <p:cNvPr id="68" name="TextBox 67">
+            <a:extLst>
+              <a:ext uri="{FF2B5EF4-FFF2-40B4-BE49-F238E27FC236}">
+                <a16:creationId xmlns:a16="http://schemas.microsoft.com/office/drawing/2014/main" id="{52B0441C-A76E-4211-9743-850D54A7F29C}"/>
+              </a:ext>
+            </a:extLst>
+          </p:cNvPr>
+          <p:cNvSpPr txBox="1"/>
+          <p:nvPr/>
+        </p:nvSpPr>
+        <p:spPr>
+          <a:xfrm>
+            <a:off x="5959786" y="5263745"/>
+            <a:ext cx="226049" cy="369332"/>
+          </a:xfrm>
+          <a:prstGeom prst="rect">
+            <a:avLst/>
+          </a:prstGeom>
+          <a:noFill/>
+        </p:spPr>
+        <p:txBody>
+          <a:bodyPr wrap="square" rtlCol="0">
+            <a:spAutoFit/>
+          </a:bodyPr>
+          <a:lstStyle/>
+          <a:p>
+            <a:r>
+              <a:rPr lang="en-US" dirty="0"/>
+              <a:t>*</a:t>
+            </a:r>
+          </a:p>
+        </p:txBody>
+      </p:sp>
+      <p:sp>
+        <p:nvSpPr>
+          <p:cNvPr id="70" name="TextBox 69">
+            <a:extLst>
+              <a:ext uri="{FF2B5EF4-FFF2-40B4-BE49-F238E27FC236}">
+                <a16:creationId xmlns:a16="http://schemas.microsoft.com/office/drawing/2014/main" id="{6912DF9E-9BA7-4ACB-854F-B0BB20556388}"/>
+              </a:ext>
+            </a:extLst>
+          </p:cNvPr>
+          <p:cNvSpPr txBox="1"/>
+          <p:nvPr/>
+        </p:nvSpPr>
+        <p:spPr>
+          <a:xfrm>
+            <a:off x="7403206" y="5323179"/>
+            <a:ext cx="226049" cy="369332"/>
+          </a:xfrm>
+          <a:prstGeom prst="rect">
+            <a:avLst/>
+          </a:prstGeom>
+          <a:noFill/>
+        </p:spPr>
+        <p:txBody>
+          <a:bodyPr wrap="square" rtlCol="0">
+            <a:spAutoFit/>
+          </a:bodyPr>
+          <a:lstStyle/>
+          <a:p>
+            <a:r>
+              <a:rPr lang="en-US" dirty="0"/>
+              <a:t>*</a:t>
+            </a:r>
+          </a:p>
+        </p:txBody>
+      </p:sp>
+      <p:sp>
+        <p:nvSpPr>
+          <p:cNvPr id="73" name="TextBox 72">
+            <a:extLst>
+              <a:ext uri="{FF2B5EF4-FFF2-40B4-BE49-F238E27FC236}">
+                <a16:creationId xmlns:a16="http://schemas.microsoft.com/office/drawing/2014/main" id="{8A486D3D-C3AA-4D14-9CE5-771E5F4056AF}"/>
+              </a:ext>
+            </a:extLst>
+          </p:cNvPr>
+          <p:cNvSpPr txBox="1"/>
+          <p:nvPr/>
+        </p:nvSpPr>
+        <p:spPr>
+          <a:xfrm>
+            <a:off x="4129547" y="5293851"/>
+            <a:ext cx="226049" cy="369332"/>
+          </a:xfrm>
+          <a:prstGeom prst="rect">
+            <a:avLst/>
+          </a:prstGeom>
+          <a:noFill/>
+        </p:spPr>
+        <p:txBody>
+          <a:bodyPr wrap="square" rtlCol="0">
+            <a:spAutoFit/>
+          </a:bodyPr>
+          <a:lstStyle/>
+          <a:p>
+            <a:r>
+              <a:rPr lang="en-US" dirty="0"/>
+              <a:t>1</a:t>
+            </a:r>
+          </a:p>
+        </p:txBody>
+      </p:sp>
+      <p:sp>
+        <p:nvSpPr>
+          <p:cNvPr id="74" name="TextBox 73">
+            <a:extLst>
+              <a:ext uri="{FF2B5EF4-FFF2-40B4-BE49-F238E27FC236}">
+                <a16:creationId xmlns:a16="http://schemas.microsoft.com/office/drawing/2014/main" id="{3462D539-B05F-407A-9A49-04F564165C7A}"/>
+              </a:ext>
+            </a:extLst>
+          </p:cNvPr>
+          <p:cNvSpPr txBox="1"/>
+          <p:nvPr/>
+        </p:nvSpPr>
+        <p:spPr>
+          <a:xfrm>
+            <a:off x="5460160" y="5341215"/>
+            <a:ext cx="253780" cy="369332"/>
+          </a:xfrm>
+          <a:prstGeom prst="rect">
+            <a:avLst/>
+          </a:prstGeom>
+          <a:noFill/>
+        </p:spPr>
+        <p:txBody>
+          <a:bodyPr wrap="square" rtlCol="0">
+            <a:spAutoFit/>
+          </a:bodyPr>
+          <a:lstStyle/>
+          <a:p>
+            <a:r>
+              <a:rPr lang="en-US" dirty="0"/>
+              <a:t>1</a:t>
+            </a:r>
+          </a:p>
+        </p:txBody>
+      </p:sp>
+      <p:sp>
+        <p:nvSpPr>
+          <p:cNvPr id="76" name="TextBox 75">
+            <a:extLst>
+              <a:ext uri="{FF2B5EF4-FFF2-40B4-BE49-F238E27FC236}">
+                <a16:creationId xmlns:a16="http://schemas.microsoft.com/office/drawing/2014/main" id="{1F4CEB6F-8E50-4BE7-920D-6FF653ACF2A7}"/>
+              </a:ext>
+            </a:extLst>
+          </p:cNvPr>
+          <p:cNvSpPr txBox="1"/>
+          <p:nvPr/>
+        </p:nvSpPr>
+        <p:spPr>
+          <a:xfrm>
+            <a:off x="6777087" y="5389820"/>
+            <a:ext cx="226049" cy="369332"/>
+          </a:xfrm>
+          <a:prstGeom prst="rect">
+            <a:avLst/>
+          </a:prstGeom>
+          <a:noFill/>
+        </p:spPr>
+        <p:txBody>
+          <a:bodyPr wrap="square" rtlCol="0">
+            <a:spAutoFit/>
+          </a:bodyPr>
+          <a:lstStyle/>
+          <a:p>
+            <a:r>
+              <a:rPr lang="en-US" dirty="0"/>
+              <a:t>1</a:t>
+            </a:r>
+          </a:p>
+        </p:txBody>
+      </p:sp>
+      <p:cxnSp>
+        <p:nvCxnSpPr>
+          <p:cNvPr id="8" name="Straight Arrow Connector 7">
+            <a:extLst>
+              <a:ext uri="{FF2B5EF4-FFF2-40B4-BE49-F238E27FC236}">
+                <a16:creationId xmlns:a16="http://schemas.microsoft.com/office/drawing/2014/main" id="{B1B6110B-08CA-46C7-887A-8AEA49F11349}"/>
+              </a:ext>
+            </a:extLst>
+          </p:cNvPr>
+          <p:cNvCxnSpPr>
+            <a:cxnSpLocks/>
+            <a:stCxn id="10" idx="4"/>
+            <a:endCxn id="19" idx="0"/>
+          </p:cNvCxnSpPr>
+          <p:nvPr/>
+        </p:nvCxnSpPr>
+        <p:spPr>
+          <a:xfrm flipH="1">
+            <a:off x="2576105" y="4984417"/>
+            <a:ext cx="3868953" cy="677525"/>
+          </a:xfrm>
+          <a:prstGeom prst="straightConnector1">
+            <a:avLst/>
+          </a:prstGeom>
+          <a:ln>
+            <a:solidFill>
+              <a:schemeClr val="tx1"/>
+            </a:solidFill>
+            <a:tailEnd type="triangle"/>
+          </a:ln>
+        </p:spPr>
+        <p:style>
+          <a:lnRef idx="1">
+            <a:schemeClr val="accent1"/>
+          </a:lnRef>
+          <a:fillRef idx="0">
+            <a:schemeClr val="accent1"/>
+          </a:fillRef>
+          <a:effectRef idx="0">
+            <a:schemeClr val="accent1"/>
+          </a:effectRef>
+          <a:fontRef idx="minor">
+            <a:schemeClr val="tx1"/>
+          </a:fontRef>
+        </p:style>
+      </p:cxnSp>
+      <p:sp>
+        <p:nvSpPr>
+          <p:cNvPr id="77" name="TextBox 76">
+            <a:extLst>
+              <a:ext uri="{FF2B5EF4-FFF2-40B4-BE49-F238E27FC236}">
+                <a16:creationId xmlns:a16="http://schemas.microsoft.com/office/drawing/2014/main" id="{96762784-832B-455D-842F-030C6FB332F9}"/>
+              </a:ext>
+            </a:extLst>
+          </p:cNvPr>
+          <p:cNvSpPr txBox="1"/>
+          <p:nvPr/>
+        </p:nvSpPr>
+        <p:spPr>
+          <a:xfrm>
+            <a:off x="3222531" y="5483826"/>
+            <a:ext cx="226049" cy="369332"/>
+          </a:xfrm>
+          <a:prstGeom prst="rect">
+            <a:avLst/>
+          </a:prstGeom>
+          <a:noFill/>
+        </p:spPr>
+        <p:txBody>
+          <a:bodyPr wrap="square" rtlCol="0">
+            <a:spAutoFit/>
+          </a:bodyPr>
+          <a:lstStyle/>
+          <a:p>
+            <a:r>
+              <a:rPr lang="en-US" dirty="0"/>
+              <a:t>0</a:t>
+            </a:r>
+          </a:p>
+        </p:txBody>
+      </p:sp>
+      <p:cxnSp>
+        <p:nvCxnSpPr>
+          <p:cNvPr id="78" name="Straight Arrow Connector 77">
+            <a:extLst>
+              <a:ext uri="{FF2B5EF4-FFF2-40B4-BE49-F238E27FC236}">
+                <a16:creationId xmlns:a16="http://schemas.microsoft.com/office/drawing/2014/main" id="{37EDC0AD-A3B3-44B4-8101-CB7E7D97A9D8}"/>
+              </a:ext>
+            </a:extLst>
+          </p:cNvPr>
+          <p:cNvCxnSpPr>
+            <a:cxnSpLocks/>
+            <a:stCxn id="5" idx="0"/>
+            <a:endCxn id="14" idx="2"/>
+          </p:cNvCxnSpPr>
+          <p:nvPr/>
+        </p:nvCxnSpPr>
+        <p:spPr>
+          <a:xfrm flipH="1" flipV="1">
+            <a:off x="2576105" y="1224921"/>
+            <a:ext cx="3868953" cy="629173"/>
+          </a:xfrm>
+          <a:prstGeom prst="straightConnector1">
+            <a:avLst/>
+          </a:prstGeom>
+          <a:ln>
+            <a:tailEnd type="triangle"/>
+          </a:ln>
+        </p:spPr>
+        <p:style>
+          <a:lnRef idx="1">
+            <a:schemeClr val="dk1"/>
+          </a:lnRef>
+          <a:fillRef idx="0">
+            <a:schemeClr val="dk1"/>
+          </a:fillRef>
+          <a:effectRef idx="0">
+            <a:schemeClr val="dk1"/>
+          </a:effectRef>
+          <a:fontRef idx="minor">
+            <a:schemeClr val="tx1"/>
+          </a:fontRef>
+        </p:style>
+      </p:cxnSp>
+      <p:sp>
+        <p:nvSpPr>
+          <p:cNvPr id="79" name="TextBox 78">
+            <a:extLst>
+              <a:ext uri="{FF2B5EF4-FFF2-40B4-BE49-F238E27FC236}">
+                <a16:creationId xmlns:a16="http://schemas.microsoft.com/office/drawing/2014/main" id="{9C4D71C8-12E4-4592-AD42-9593A525257E}"/>
+              </a:ext>
+            </a:extLst>
+          </p:cNvPr>
+          <p:cNvSpPr txBox="1"/>
+          <p:nvPr/>
+        </p:nvSpPr>
+        <p:spPr>
+          <a:xfrm>
+            <a:off x="3198393" y="1011392"/>
+            <a:ext cx="226049" cy="369332"/>
+          </a:xfrm>
+          <a:prstGeom prst="rect">
+            <a:avLst/>
+          </a:prstGeom>
+          <a:noFill/>
+        </p:spPr>
+        <p:txBody>
+          <a:bodyPr wrap="square" rtlCol="0">
+            <a:spAutoFit/>
+          </a:bodyPr>
+          <a:lstStyle/>
+          <a:p>
+            <a:r>
+              <a:rPr lang="en-US" dirty="0"/>
+              <a:t>0</a:t>
+            </a:r>
+          </a:p>
+        </p:txBody>
+      </p:sp>
+      <p:cxnSp>
+        <p:nvCxnSpPr>
+          <p:cNvPr id="80" name="Connector: Curved 79">
+            <a:extLst>
+              <a:ext uri="{FF2B5EF4-FFF2-40B4-BE49-F238E27FC236}">
+                <a16:creationId xmlns:a16="http://schemas.microsoft.com/office/drawing/2014/main" id="{EA919109-92EC-4549-8459-5CE6842D1B8C}"/>
+              </a:ext>
+            </a:extLst>
+          </p:cNvPr>
+          <p:cNvCxnSpPr>
+            <a:cxnSpLocks/>
+            <a:stCxn id="4" idx="4"/>
+            <a:endCxn id="10" idx="0"/>
+          </p:cNvCxnSpPr>
+          <p:nvPr/>
+        </p:nvCxnSpPr>
+        <p:spPr>
+          <a:xfrm rot="16200000" flipH="1">
+            <a:off x="5151767" y="2576700"/>
+            <a:ext cx="901473" cy="1685109"/>
+          </a:xfrm>
+          <a:prstGeom prst="curvedConnector3">
+            <a:avLst>
+              <a:gd name="adj1" fmla="val 50000"/>
+            </a:avLst>
+          </a:prstGeom>
+          <a:ln>
+            <a:headEnd type="triangle"/>
+            <a:tailEnd type="triangle"/>
+          </a:ln>
+        </p:spPr>
+        <p:style>
+          <a:lnRef idx="1">
+            <a:schemeClr val="dk1"/>
+          </a:lnRef>
+          <a:fillRef idx="0">
+            <a:schemeClr val="dk1"/>
+          </a:fillRef>
+          <a:effectRef idx="0">
+            <a:schemeClr val="dk1"/>
+          </a:effectRef>
+          <a:fontRef idx="minor">
+            <a:schemeClr val="tx1"/>
+          </a:fontRef>
+        </p:style>
+      </p:cxnSp>
+      <p:cxnSp>
+        <p:nvCxnSpPr>
+          <p:cNvPr id="81" name="Connector: Curved 80">
+            <a:extLst>
+              <a:ext uri="{FF2B5EF4-FFF2-40B4-BE49-F238E27FC236}">
+                <a16:creationId xmlns:a16="http://schemas.microsoft.com/office/drawing/2014/main" id="{78F3B6C6-9C15-4377-8677-583AB049F2E3}"/>
+              </a:ext>
+            </a:extLst>
+          </p:cNvPr>
+          <p:cNvCxnSpPr>
+            <a:cxnSpLocks/>
+            <a:stCxn id="5" idx="4"/>
+            <a:endCxn id="9" idx="0"/>
+          </p:cNvCxnSpPr>
+          <p:nvPr/>
+        </p:nvCxnSpPr>
+        <p:spPr>
+          <a:xfrm rot="5400000">
+            <a:off x="5151768" y="2576701"/>
+            <a:ext cx="901473" cy="1685109"/>
+          </a:xfrm>
+          <a:prstGeom prst="curvedConnector3">
+            <a:avLst>
+              <a:gd name="adj1" fmla="val 45170"/>
+            </a:avLst>
+          </a:prstGeom>
+          <a:ln>
+            <a:headEnd type="triangle"/>
+            <a:tailEnd type="triangle"/>
+          </a:ln>
+        </p:spPr>
+        <p:style>
+          <a:lnRef idx="1">
+            <a:schemeClr val="dk1"/>
+          </a:lnRef>
+          <a:fillRef idx="0">
+            <a:schemeClr val="dk1"/>
+          </a:fillRef>
+          <a:effectRef idx="0">
+            <a:schemeClr val="dk1"/>
+          </a:effectRef>
+          <a:fontRef idx="minor">
+            <a:schemeClr val="tx1"/>
+          </a:fontRef>
+        </p:style>
+      </p:cxnSp>
+      <p:cxnSp>
+        <p:nvCxnSpPr>
+          <p:cNvPr id="88" name="Connector: Curved 87">
+            <a:extLst>
+              <a:ext uri="{FF2B5EF4-FFF2-40B4-BE49-F238E27FC236}">
+                <a16:creationId xmlns:a16="http://schemas.microsoft.com/office/drawing/2014/main" id="{28FA0FF4-47CF-4F2C-9ACC-A62B88C745CE}"/>
+              </a:ext>
+            </a:extLst>
+          </p:cNvPr>
+          <p:cNvCxnSpPr>
+            <a:cxnSpLocks/>
+            <a:stCxn id="10" idx="2"/>
+            <a:endCxn id="9" idx="6"/>
+          </p:cNvCxnSpPr>
+          <p:nvPr/>
+        </p:nvCxnSpPr>
+        <p:spPr>
+          <a:xfrm rot="10800000">
+            <a:off x="5350500" y="4427205"/>
+            <a:ext cx="504009" cy="12700"/>
+          </a:xfrm>
+          <a:prstGeom prst="curvedConnector3">
+            <a:avLst>
+              <a:gd name="adj1" fmla="val 50000"/>
+            </a:avLst>
+          </a:prstGeom>
+          <a:ln>
+            <a:headEnd type="triangle"/>
+            <a:tailEnd type="triangle"/>
+          </a:ln>
+        </p:spPr>
+        <p:style>
+          <a:lnRef idx="1">
+            <a:schemeClr val="dk1"/>
+          </a:lnRef>
+          <a:fillRef idx="0">
+            <a:schemeClr val="dk1"/>
+          </a:fillRef>
+          <a:effectRef idx="0">
+            <a:schemeClr val="dk1"/>
+          </a:effectRef>
+          <a:fontRef idx="minor">
+            <a:schemeClr val="tx1"/>
+          </a:fontRef>
+        </p:style>
+      </p:cxnSp>
+      <p:cxnSp>
+        <p:nvCxnSpPr>
+          <p:cNvPr id="91" name="Connector: Curved 90">
+            <a:extLst>
+              <a:ext uri="{FF2B5EF4-FFF2-40B4-BE49-F238E27FC236}">
+                <a16:creationId xmlns:a16="http://schemas.microsoft.com/office/drawing/2014/main" id="{B97F8C80-A6AE-49F7-9984-DAA13439F179}"/>
+              </a:ext>
+            </a:extLst>
+          </p:cNvPr>
+          <p:cNvCxnSpPr>
+            <a:cxnSpLocks/>
+            <a:stCxn id="5" idx="2"/>
+            <a:endCxn id="4" idx="6"/>
+          </p:cNvCxnSpPr>
+          <p:nvPr/>
+        </p:nvCxnSpPr>
+        <p:spPr>
+          <a:xfrm rot="10800000">
+            <a:off x="5350500" y="2411307"/>
+            <a:ext cx="504009" cy="12700"/>
+          </a:xfrm>
+          <a:prstGeom prst="curvedConnector3">
+            <a:avLst>
+              <a:gd name="adj1" fmla="val 50000"/>
+            </a:avLst>
+          </a:prstGeom>
+          <a:ln>
+            <a:headEnd type="triangle"/>
+            <a:tailEnd type="triangle"/>
+          </a:ln>
+        </p:spPr>
+        <p:style>
+          <a:lnRef idx="1">
+            <a:schemeClr val="dk1"/>
+          </a:lnRef>
+          <a:fillRef idx="0">
+            <a:schemeClr val="dk1"/>
+          </a:fillRef>
+          <a:effectRef idx="0">
+            <a:schemeClr val="dk1"/>
           </a:effectRef>
           <a:fontRef idx="minor">
             <a:schemeClr val="tx1"/>
